--- a/lectures/3.Quant101.Calibration.pptx
+++ b/lectures/3.Quant101.Calibration.pptx
@@ -5,20 +5,25 @@
     <p:sldMasterId id="2147483648" r:id="rId1"/>
   </p:sldMasterIdLst>
   <p:notesMasterIdLst>
-    <p:notesMasterId r:id="rId13"/>
+    <p:notesMasterId r:id="rId18"/>
   </p:notesMasterIdLst>
   <p:sldIdLst>
-    <p:sldId id="438" r:id="rId2"/>
-    <p:sldId id="428" r:id="rId3"/>
-    <p:sldId id="436" r:id="rId4"/>
-    <p:sldId id="370" r:id="rId5"/>
-    <p:sldId id="371" r:id="rId6"/>
-    <p:sldId id="434" r:id="rId7"/>
-    <p:sldId id="437" r:id="rId8"/>
-    <p:sldId id="435" r:id="rId9"/>
-    <p:sldId id="441" r:id="rId10"/>
-    <p:sldId id="440" r:id="rId11"/>
-    <p:sldId id="439" r:id="rId12"/>
+    <p:sldId id="443" r:id="rId2"/>
+    <p:sldId id="445" r:id="rId3"/>
+    <p:sldId id="442" r:id="rId4"/>
+    <p:sldId id="444" r:id="rId5"/>
+    <p:sldId id="438" r:id="rId6"/>
+    <p:sldId id="428" r:id="rId7"/>
+    <p:sldId id="436" r:id="rId8"/>
+    <p:sldId id="370" r:id="rId9"/>
+    <p:sldId id="371" r:id="rId10"/>
+    <p:sldId id="434" r:id="rId11"/>
+    <p:sldId id="437" r:id="rId12"/>
+    <p:sldId id="435" r:id="rId13"/>
+    <p:sldId id="441" r:id="rId14"/>
+    <p:sldId id="440" r:id="rId15"/>
+    <p:sldId id="439" r:id="rId16"/>
+    <p:sldId id="446" r:id="rId17"/>
   </p:sldIdLst>
   <p:sldSz cx="12192000" cy="6858000"/>
   <p:notesSz cx="6858000" cy="9144000"/>
@@ -117,6 +122,11 @@
       </a:defRPr>
     </a:lvl9pPr>
   </p:defaultTextStyle>
+  <p:extLst>
+    <p:ext uri="{EFAFB233-063F-42B5-8137-9DF3F51BA10A}">
+      <p15:sldGuideLst xmlns:p15="http://schemas.microsoft.com/office/powerpoint/2012/main"/>
+    </p:ext>
+  </p:extLst>
 </p:presentation>
 </file>
 
@@ -133,7 +143,7 @@
   <pc:docChgLst>
     <pc:chgData name="Michael MacCoss" userId="afbd1c96-5255-4d89-b6b4-1a00a15797b0" providerId="ADAL" clId="{8C2A4DBF-4837-4E42-9D29-F5E7A0D39B2F}"/>
     <pc:docChg chg="undo redo custSel addSld delSld modSld sldOrd">
-      <pc:chgData name="Michael MacCoss" userId="afbd1c96-5255-4d89-b6b4-1a00a15797b0" providerId="ADAL" clId="{8C2A4DBF-4837-4E42-9D29-F5E7A0D39B2F}" dt="2022-04-04T04:01:26.349" v="513" actId="1076"/>
+      <pc:chgData name="Michael MacCoss" userId="afbd1c96-5255-4d89-b6b4-1a00a15797b0" providerId="ADAL" clId="{8C2A4DBF-4837-4E42-9D29-F5E7A0D39B2F}" dt="2022-04-04T05:32:49.088" v="857" actId="20577"/>
       <pc:docMkLst>
         <pc:docMk/>
       </pc:docMkLst>
@@ -215,13 +225,13 @@
         </pc:spChg>
       </pc:sldChg>
       <pc:sldChg chg="modSp add mod">
-        <pc:chgData name="Michael MacCoss" userId="afbd1c96-5255-4d89-b6b4-1a00a15797b0" providerId="ADAL" clId="{8C2A4DBF-4837-4E42-9D29-F5E7A0D39B2F}" dt="2022-04-04T00:57:03.705" v="60" actId="1076"/>
+        <pc:chgData name="Michael MacCoss" userId="afbd1c96-5255-4d89-b6b4-1a00a15797b0" providerId="ADAL" clId="{8C2A4DBF-4837-4E42-9D29-F5E7A0D39B2F}" dt="2022-04-04T05:07:31.513" v="516" actId="20577"/>
         <pc:sldMkLst>
           <pc:docMk/>
           <pc:sldMk cId="3749960955" sldId="428"/>
         </pc:sldMkLst>
         <pc:spChg chg="mod">
-          <ac:chgData name="Michael MacCoss" userId="afbd1c96-5255-4d89-b6b4-1a00a15797b0" providerId="ADAL" clId="{8C2A4DBF-4837-4E42-9D29-F5E7A0D39B2F}" dt="2022-04-04T00:57:03.705" v="60" actId="1076"/>
+          <ac:chgData name="Michael MacCoss" userId="afbd1c96-5255-4d89-b6b4-1a00a15797b0" providerId="ADAL" clId="{8C2A4DBF-4837-4E42-9D29-F5E7A0D39B2F}" dt="2022-04-04T05:07:31.513" v="516" actId="20577"/>
           <ac:spMkLst>
             <pc:docMk/>
             <pc:sldMk cId="3749960955" sldId="428"/>
@@ -238,13 +248,13 @@
         </pc:spChg>
       </pc:sldChg>
       <pc:sldChg chg="delSp modSp add mod">
-        <pc:chgData name="Michael MacCoss" userId="afbd1c96-5255-4d89-b6b4-1a00a15797b0" providerId="ADAL" clId="{8C2A4DBF-4837-4E42-9D29-F5E7A0D39B2F}" dt="2022-04-04T00:59:50.745" v="92" actId="478"/>
+        <pc:chgData name="Michael MacCoss" userId="afbd1c96-5255-4d89-b6b4-1a00a15797b0" providerId="ADAL" clId="{8C2A4DBF-4837-4E42-9D29-F5E7A0D39B2F}" dt="2022-04-04T05:07:40.121" v="519" actId="20577"/>
         <pc:sldMkLst>
           <pc:docMk/>
           <pc:sldMk cId="2254547811" sldId="434"/>
         </pc:sldMkLst>
         <pc:spChg chg="mod">
-          <ac:chgData name="Michael MacCoss" userId="afbd1c96-5255-4d89-b6b4-1a00a15797b0" providerId="ADAL" clId="{8C2A4DBF-4837-4E42-9D29-F5E7A0D39B2F}" dt="2022-04-04T00:58:27.018" v="71" actId="1076"/>
+          <ac:chgData name="Michael MacCoss" userId="afbd1c96-5255-4d89-b6b4-1a00a15797b0" providerId="ADAL" clId="{8C2A4DBF-4837-4E42-9D29-F5E7A0D39B2F}" dt="2022-04-04T05:07:40.121" v="519" actId="20577"/>
           <ac:spMkLst>
             <pc:docMk/>
             <pc:sldMk cId="2254547811" sldId="434"/>
@@ -580,6 +590,129 @@
           </ac:spMkLst>
         </pc:spChg>
       </pc:sldChg>
+      <pc:sldChg chg="addSp delSp modSp new mod modClrScheme chgLayout">
+        <pc:chgData name="Michael MacCoss" userId="afbd1c96-5255-4d89-b6b4-1a00a15797b0" providerId="ADAL" clId="{8C2A4DBF-4837-4E42-9D29-F5E7A0D39B2F}" dt="2022-04-04T05:11:28.373" v="525" actId="700"/>
+        <pc:sldMkLst>
+          <pc:docMk/>
+          <pc:sldMk cId="3481787298" sldId="442"/>
+        </pc:sldMkLst>
+        <pc:spChg chg="del">
+          <ac:chgData name="Michael MacCoss" userId="afbd1c96-5255-4d89-b6b4-1a00a15797b0" providerId="ADAL" clId="{8C2A4DBF-4837-4E42-9D29-F5E7A0D39B2F}" dt="2022-04-04T05:11:05.982" v="521" actId="700"/>
+          <ac:spMkLst>
+            <pc:docMk/>
+            <pc:sldMk cId="3481787298" sldId="442"/>
+            <ac:spMk id="2" creationId="{7A0775A6-2718-446F-A741-D076468F329B}"/>
+          </ac:spMkLst>
+        </pc:spChg>
+        <pc:spChg chg="del">
+          <ac:chgData name="Michael MacCoss" userId="afbd1c96-5255-4d89-b6b4-1a00a15797b0" providerId="ADAL" clId="{8C2A4DBF-4837-4E42-9D29-F5E7A0D39B2F}" dt="2022-04-04T05:11:05.982" v="521" actId="700"/>
+          <ac:spMkLst>
+            <pc:docMk/>
+            <pc:sldMk cId="3481787298" sldId="442"/>
+            <ac:spMk id="3" creationId="{C2B65AD9-B1A2-41A3-B0EC-07BA1C292A19}"/>
+          </ac:spMkLst>
+        </pc:spChg>
+        <pc:spChg chg="add del mod ord">
+          <ac:chgData name="Michael MacCoss" userId="afbd1c96-5255-4d89-b6b4-1a00a15797b0" providerId="ADAL" clId="{8C2A4DBF-4837-4E42-9D29-F5E7A0D39B2F}" dt="2022-04-04T05:11:28.373" v="525" actId="700"/>
+          <ac:spMkLst>
+            <pc:docMk/>
+            <pc:sldMk cId="3481787298" sldId="442"/>
+            <ac:spMk id="6" creationId="{4D23C51F-81F5-4C17-83BB-7ADA5CD11DB2}"/>
+          </ac:spMkLst>
+        </pc:spChg>
+        <pc:picChg chg="add">
+          <ac:chgData name="Michael MacCoss" userId="afbd1c96-5255-4d89-b6b4-1a00a15797b0" providerId="ADAL" clId="{8C2A4DBF-4837-4E42-9D29-F5E7A0D39B2F}" dt="2022-04-04T05:11:08.010" v="522" actId="22"/>
+          <ac:picMkLst>
+            <pc:docMk/>
+            <pc:sldMk cId="3481787298" sldId="442"/>
+            <ac:picMk id="5" creationId="{88D0C0D9-2052-449E-B30D-97241DF5E86E}"/>
+          </ac:picMkLst>
+        </pc:picChg>
+      </pc:sldChg>
+      <pc:sldChg chg="addSp delSp modSp new mod modClrScheme chgLayout">
+        <pc:chgData name="Michael MacCoss" userId="afbd1c96-5255-4d89-b6b4-1a00a15797b0" providerId="ADAL" clId="{8C2A4DBF-4837-4E42-9D29-F5E7A0D39B2F}" dt="2022-04-04T05:12:18.399" v="592" actId="20577"/>
+        <pc:sldMkLst>
+          <pc:docMk/>
+          <pc:sldMk cId="1027309159" sldId="443"/>
+        </pc:sldMkLst>
+        <pc:spChg chg="del mod ord">
+          <ac:chgData name="Michael MacCoss" userId="afbd1c96-5255-4d89-b6b4-1a00a15797b0" providerId="ADAL" clId="{8C2A4DBF-4837-4E42-9D29-F5E7A0D39B2F}" dt="2022-04-04T05:11:31.295" v="526" actId="700"/>
+          <ac:spMkLst>
+            <pc:docMk/>
+            <pc:sldMk cId="1027309159" sldId="443"/>
+            <ac:spMk id="2" creationId="{FAD82706-6C4A-44BB-8611-04501351579F}"/>
+          </ac:spMkLst>
+        </pc:spChg>
+        <pc:spChg chg="del">
+          <ac:chgData name="Michael MacCoss" userId="afbd1c96-5255-4d89-b6b4-1a00a15797b0" providerId="ADAL" clId="{8C2A4DBF-4837-4E42-9D29-F5E7A0D39B2F}" dt="2022-04-04T05:11:31.295" v="526" actId="700"/>
+          <ac:spMkLst>
+            <pc:docMk/>
+            <pc:sldMk cId="1027309159" sldId="443"/>
+            <ac:spMk id="3" creationId="{FBE8B975-AD77-441B-BC9B-693B0D454C48}"/>
+          </ac:spMkLst>
+        </pc:spChg>
+        <pc:spChg chg="add mod ord">
+          <ac:chgData name="Michael MacCoss" userId="afbd1c96-5255-4d89-b6b4-1a00a15797b0" providerId="ADAL" clId="{8C2A4DBF-4837-4E42-9D29-F5E7A0D39B2F}" dt="2022-04-04T05:12:18.399" v="592" actId="20577"/>
+          <ac:spMkLst>
+            <pc:docMk/>
+            <pc:sldMk cId="1027309159" sldId="443"/>
+            <ac:spMk id="4" creationId="{2FF86895-50BC-4D2B-812A-415084784FAE}"/>
+          </ac:spMkLst>
+        </pc:spChg>
+      </pc:sldChg>
+      <pc:sldChg chg="addSp new mod">
+        <pc:chgData name="Michael MacCoss" userId="afbd1c96-5255-4d89-b6b4-1a00a15797b0" providerId="ADAL" clId="{8C2A4DBF-4837-4E42-9D29-F5E7A0D39B2F}" dt="2022-04-04T05:15:19.588" v="594" actId="22"/>
+        <pc:sldMkLst>
+          <pc:docMk/>
+          <pc:sldMk cId="285504554" sldId="444"/>
+        </pc:sldMkLst>
+        <pc:picChg chg="add">
+          <ac:chgData name="Michael MacCoss" userId="afbd1c96-5255-4d89-b6b4-1a00a15797b0" providerId="ADAL" clId="{8C2A4DBF-4837-4E42-9D29-F5E7A0D39B2F}" dt="2022-04-04T05:15:19.588" v="594" actId="22"/>
+          <ac:picMkLst>
+            <pc:docMk/>
+            <pc:sldMk cId="285504554" sldId="444"/>
+            <ac:picMk id="3" creationId="{E527A990-8D4A-4B0B-97C5-C52C994C88B3}"/>
+          </ac:picMkLst>
+        </pc:picChg>
+      </pc:sldChg>
+      <pc:sldChg chg="addSp modSp new mod ord modClrScheme chgLayout">
+        <pc:chgData name="Michael MacCoss" userId="afbd1c96-5255-4d89-b6b4-1a00a15797b0" providerId="ADAL" clId="{8C2A4DBF-4837-4E42-9D29-F5E7A0D39B2F}" dt="2022-04-04T05:31:08.637" v="789" actId="12"/>
+        <pc:sldMkLst>
+          <pc:docMk/>
+          <pc:sldMk cId="382929661" sldId="445"/>
+        </pc:sldMkLst>
+        <pc:spChg chg="add mod ord">
+          <ac:chgData name="Michael MacCoss" userId="afbd1c96-5255-4d89-b6b4-1a00a15797b0" providerId="ADAL" clId="{8C2A4DBF-4837-4E42-9D29-F5E7A0D39B2F}" dt="2022-04-04T05:22:44.633" v="638" actId="700"/>
+          <ac:spMkLst>
+            <pc:docMk/>
+            <pc:sldMk cId="382929661" sldId="445"/>
+            <ac:spMk id="2" creationId="{2C163552-400B-42B1-9AF9-98A5F28F8A3F}"/>
+          </ac:spMkLst>
+        </pc:spChg>
+        <pc:spChg chg="add mod ord">
+          <ac:chgData name="Michael MacCoss" userId="afbd1c96-5255-4d89-b6b4-1a00a15797b0" providerId="ADAL" clId="{8C2A4DBF-4837-4E42-9D29-F5E7A0D39B2F}" dt="2022-04-04T05:31:08.637" v="789" actId="12"/>
+          <ac:spMkLst>
+            <pc:docMk/>
+            <pc:sldMk cId="382929661" sldId="445"/>
+            <ac:spMk id="3" creationId="{6AAFDD41-60B2-4C7B-9CE0-4C8E48FBED5D}"/>
+          </ac:spMkLst>
+        </pc:spChg>
+      </pc:sldChg>
+      <pc:sldChg chg="modSp new mod">
+        <pc:chgData name="Michael MacCoss" userId="afbd1c96-5255-4d89-b6b4-1a00a15797b0" providerId="ADAL" clId="{8C2A4DBF-4837-4E42-9D29-F5E7A0D39B2F}" dt="2022-04-04T05:32:49.088" v="857" actId="20577"/>
+        <pc:sldMkLst>
+          <pc:docMk/>
+          <pc:sldMk cId="4176164375" sldId="446"/>
+        </pc:sldMkLst>
+        <pc:spChg chg="mod">
+          <ac:chgData name="Michael MacCoss" userId="afbd1c96-5255-4d89-b6b4-1a00a15797b0" providerId="ADAL" clId="{8C2A4DBF-4837-4E42-9D29-F5E7A0D39B2F}" dt="2022-04-04T05:32:49.088" v="857" actId="20577"/>
+          <ac:spMkLst>
+            <pc:docMk/>
+            <pc:sldMk cId="4176164375" sldId="446"/>
+            <ac:spMk id="2" creationId="{61C7101A-8719-4648-A1AA-6B9F6B55BDB9}"/>
+          </ac:spMkLst>
+        </pc:spChg>
+      </pc:sldChg>
     </pc:docChg>
   </pc:docChgLst>
 </pc:chgInfo>
@@ -1051,7 +1184,7 @@
                 <a:tabLst/>
                 <a:defRPr/>
               </a:pPr>
-              <a:t>3</a:t>
+              <a:t>7</a:t>
             </a:fld>
             <a:endParaRPr kumimoji="0" lang="en-US" sz="1200" b="0" i="0" u="none" strike="noStrike" kern="1200" cap="none" spc="0" normalizeH="0" baseline="0" noProof="0">
               <a:ln>
@@ -4302,7 +4435,7 @@
           <p:cNvPr id="4" name="Title 3">
             <a:extLst>
               <a:ext uri="{FF2B5EF4-FFF2-40B4-BE49-F238E27FC236}">
-                <a16:creationId xmlns:a16="http://schemas.microsoft.com/office/drawing/2014/main" id="{6C8173CF-5C9D-4286-9790-0F2AF6969AF4}"/>
+                <a16:creationId xmlns:a16="http://schemas.microsoft.com/office/drawing/2014/main" id="{2FF86895-50BC-4D2B-812A-415084784FAE}"/>
               </a:ext>
             </a:extLst>
           </p:cNvPr>
@@ -4320,7 +4453,7 @@
           <a:p>
             <a:r>
               <a:rPr lang="en-US" dirty="0"/>
-              <a:t>What is the purpose of calibration?</a:t>
+              <a:t>From last class: Selectivity vs Specificity</a:t>
             </a:r>
           </a:p>
         </p:txBody>
@@ -4328,7 +4461,7 @@
     </p:spTree>
     <p:extLst>
       <p:ext uri="{BB962C8B-B14F-4D97-AF65-F5344CB8AC3E}">
-        <p14:creationId xmlns:p14="http://schemas.microsoft.com/office/powerpoint/2010/main" val="3182592164"/>
+        <p14:creationId xmlns:p14="http://schemas.microsoft.com/office/powerpoint/2010/main" val="1027309159"/>
       </p:ext>
     </p:extLst>
   </p:cSld>
@@ -4339,6 +4472,948 @@
 </file>
 
 <file path=ppt/slides/slide10.xml><?xml version="1.0" encoding="utf-8"?>
+<p:sld xmlns:a="http://schemas.openxmlformats.org/drawingml/2006/main" xmlns:r="http://schemas.openxmlformats.org/officeDocument/2006/relationships" xmlns:p="http://schemas.openxmlformats.org/presentationml/2006/main">
+  <p:cSld>
+    <p:spTree>
+      <p:nvGrpSpPr>
+        <p:cNvPr id="1" name=""/>
+        <p:cNvGrpSpPr/>
+        <p:nvPr/>
+      </p:nvGrpSpPr>
+      <p:grpSpPr>
+        <a:xfrm>
+          <a:off x="0" y="0"/>
+          <a:ext cx="0" cy="0"/>
+          <a:chOff x="0" y="0"/>
+          <a:chExt cx="0" cy="0"/>
+        </a:xfrm>
+      </p:grpSpPr>
+      <p:sp>
+        <p:nvSpPr>
+          <p:cNvPr id="21506" name="Title 6"/>
+          <p:cNvSpPr>
+            <a:spLocks noGrp="1"/>
+          </p:cNvSpPr>
+          <p:nvPr>
+            <p:ph type="title"/>
+          </p:nvPr>
+        </p:nvSpPr>
+        <p:spPr/>
+        <p:txBody>
+          <a:bodyPr/>
+          <a:lstStyle/>
+          <a:p>
+            <a:r>
+              <a:rPr lang="en-US"/>
+              <a:t>Quantitative Analysis 101</a:t>
+            </a:r>
+          </a:p>
+        </p:txBody>
+      </p:sp>
+      <p:sp>
+        <p:nvSpPr>
+          <p:cNvPr id="3" name="TextBox 2">
+            <a:extLst>
+              <a:ext uri="{FF2B5EF4-FFF2-40B4-BE49-F238E27FC236}">
+                <a16:creationId xmlns:a16="http://schemas.microsoft.com/office/drawing/2014/main" id="{8EBC2D1B-98BF-4DD0-83CD-7121C464DE77}"/>
+              </a:ext>
+            </a:extLst>
+          </p:cNvPr>
+          <p:cNvSpPr txBox="1"/>
+          <p:nvPr/>
+        </p:nvSpPr>
+        <p:spPr>
+          <a:xfrm>
+            <a:off x="1447420" y="1993232"/>
+            <a:ext cx="8653266" cy="1938992"/>
+          </a:xfrm>
+          <a:prstGeom prst="rect">
+            <a:avLst/>
+          </a:prstGeom>
+          <a:noFill/>
+        </p:spPr>
+        <p:txBody>
+          <a:bodyPr wrap="none" rtlCol="0">
+            <a:spAutoFit/>
+          </a:bodyPr>
+          <a:lstStyle/>
+          <a:p>
+            <a:pPr marL="457200" indent="-457200">
+              <a:buFont typeface="Arial" panose="020B0604020202020204" pitchFamily="34" charset="0"/>
+              <a:buChar char="•"/>
+            </a:pPr>
+            <a:r>
+              <a:rPr lang="en-US" sz="4000" dirty="0"/>
+              <a:t>What does it mean to be quantitative?</a:t>
+            </a:r>
+          </a:p>
+          <a:p>
+            <a:pPr marL="457200" indent="-457200">
+              <a:buFont typeface="Arial" panose="020B0604020202020204" pitchFamily="34" charset="0"/>
+              <a:buChar char="•"/>
+            </a:pPr>
+            <a:endParaRPr lang="en-US" sz="4000" dirty="0"/>
+          </a:p>
+          <a:p>
+            <a:pPr marL="457200" indent="-457200">
+              <a:buFont typeface="Arial" panose="020B0604020202020204" pitchFamily="34" charset="0"/>
+              <a:buChar char="•"/>
+            </a:pPr>
+            <a:r>
+              <a:rPr lang="en-US" sz="4000" dirty="0"/>
+              <a:t>What does signal calibration mean?</a:t>
+            </a:r>
+          </a:p>
+        </p:txBody>
+      </p:sp>
+    </p:spTree>
+    <p:extLst>
+      <p:ext uri="{BB962C8B-B14F-4D97-AF65-F5344CB8AC3E}">
+        <p14:creationId xmlns:p14="http://schemas.microsoft.com/office/powerpoint/2010/main" val="2254547811"/>
+      </p:ext>
+    </p:extLst>
+  </p:cSld>
+  <p:clrMapOvr>
+    <a:masterClrMapping/>
+  </p:clrMapOvr>
+</p:sld>
+</file>
+
+<file path=ppt/slides/slide11.xml><?xml version="1.0" encoding="utf-8"?>
+<p:sld xmlns:a="http://schemas.openxmlformats.org/drawingml/2006/main" xmlns:r="http://schemas.openxmlformats.org/officeDocument/2006/relationships" xmlns:p="http://schemas.openxmlformats.org/presentationml/2006/main">
+  <p:cSld>
+    <p:spTree>
+      <p:nvGrpSpPr>
+        <p:cNvPr id="1" name=""/>
+        <p:cNvGrpSpPr/>
+        <p:nvPr/>
+      </p:nvGrpSpPr>
+      <p:grpSpPr>
+        <a:xfrm>
+          <a:off x="0" y="0"/>
+          <a:ext cx="0" cy="0"/>
+          <a:chOff x="0" y="0"/>
+          <a:chExt cx="0" cy="0"/>
+        </a:xfrm>
+      </p:grpSpPr>
+      <p:sp>
+        <p:nvSpPr>
+          <p:cNvPr id="2" name="Title 1">
+            <a:extLst>
+              <a:ext uri="{FF2B5EF4-FFF2-40B4-BE49-F238E27FC236}">
+                <a16:creationId xmlns:a16="http://schemas.microsoft.com/office/drawing/2014/main" id="{8DDB2D64-A037-4639-A074-647D0CC83D71}"/>
+              </a:ext>
+            </a:extLst>
+          </p:cNvPr>
+          <p:cNvSpPr>
+            <a:spLocks noGrp="1"/>
+          </p:cNvSpPr>
+          <p:nvPr>
+            <p:ph type="title"/>
+          </p:nvPr>
+        </p:nvSpPr>
+        <p:spPr/>
+        <p:txBody>
+          <a:bodyPr>
+            <a:normAutofit/>
+          </a:bodyPr>
+          <a:lstStyle/>
+          <a:p>
+            <a:pPr algn="ctr"/>
+            <a:r>
+              <a:rPr lang="en-US" dirty="0"/>
+              <a:t>Measurements on different platforms are not measured on the same scale</a:t>
+            </a:r>
+          </a:p>
+        </p:txBody>
+      </p:sp>
+      <p:pic>
+        <p:nvPicPr>
+          <p:cNvPr id="6" name="Content Placeholder 5">
+            <a:extLst>
+              <a:ext uri="{FF2B5EF4-FFF2-40B4-BE49-F238E27FC236}">
+                <a16:creationId xmlns:a16="http://schemas.microsoft.com/office/drawing/2014/main" id="{39534013-EA44-45BC-BCCD-D74EEECA2ADF}"/>
+              </a:ext>
+            </a:extLst>
+          </p:cNvPr>
+          <p:cNvPicPr>
+            <a:picLocks noGrp="1" noChangeAspect="1"/>
+          </p:cNvPicPr>
+          <p:nvPr>
+            <p:ph idx="1"/>
+          </p:nvPr>
+        </p:nvPicPr>
+        <p:blipFill rotWithShape="1">
+          <a:blip r:embed="rId2">
+            <a:extLst>
+              <a:ext uri="{28A0092B-C50C-407E-A947-70E740481C1C}">
+                <a14:useLocalDpi xmlns:a14="http://schemas.microsoft.com/office/drawing/2010/main" val="0"/>
+              </a:ext>
+            </a:extLst>
+          </a:blip>
+          <a:srcRect l="1" r="56781"/>
+          <a:stretch/>
+        </p:blipFill>
+        <p:spPr>
+          <a:xfrm>
+            <a:off x="1925052" y="2406441"/>
+            <a:ext cx="4094147" cy="3949909"/>
+          </a:xfrm>
+        </p:spPr>
+      </p:pic>
+      <p:sp>
+        <p:nvSpPr>
+          <p:cNvPr id="7" name="Isosceles Triangle 6">
+            <a:extLst>
+              <a:ext uri="{FF2B5EF4-FFF2-40B4-BE49-F238E27FC236}">
+                <a16:creationId xmlns:a16="http://schemas.microsoft.com/office/drawing/2014/main" id="{DC3CE0E6-F796-4607-A94F-4E3D14D6667C}"/>
+              </a:ext>
+            </a:extLst>
+          </p:cNvPr>
+          <p:cNvSpPr/>
+          <p:nvPr/>
+        </p:nvSpPr>
+        <p:spPr>
+          <a:xfrm rot="16453277">
+            <a:off x="5585355" y="4113293"/>
+            <a:ext cx="1226684" cy="1220705"/>
+          </a:xfrm>
+          <a:prstGeom prst="triangle">
+            <a:avLst>
+              <a:gd name="adj" fmla="val 77207"/>
+            </a:avLst>
+          </a:prstGeom>
+          <a:gradFill flip="none" rotWithShape="1">
+            <a:gsLst>
+              <a:gs pos="0">
+                <a:schemeClr val="accent3">
+                  <a:lumMod val="0"/>
+                  <a:lumOff val="100000"/>
+                  <a:alpha val="72000"/>
+                </a:schemeClr>
+              </a:gs>
+              <a:gs pos="50000">
+                <a:srgbClr val="D2D2D2"/>
+              </a:gs>
+              <a:gs pos="100000">
+                <a:schemeClr val="accent3">
+                  <a:lumMod val="100000"/>
+                </a:schemeClr>
+              </a:gs>
+            </a:gsLst>
+            <a:lin ang="16200000" scaled="0"/>
+            <a:tileRect/>
+          </a:gradFill>
+          <a:ln>
+            <a:noFill/>
+          </a:ln>
+        </p:spPr>
+        <p:style>
+          <a:lnRef idx="2">
+            <a:schemeClr val="accent1">
+              <a:shade val="50000"/>
+            </a:schemeClr>
+          </a:lnRef>
+          <a:fillRef idx="1">
+            <a:schemeClr val="accent1"/>
+          </a:fillRef>
+          <a:effectRef idx="0">
+            <a:schemeClr val="accent1"/>
+          </a:effectRef>
+          <a:fontRef idx="minor">
+            <a:schemeClr val="lt1"/>
+          </a:fontRef>
+        </p:style>
+        <p:txBody>
+          <a:bodyPr rtlCol="0" anchor="ctr"/>
+          <a:lstStyle/>
+          <a:p>
+            <a:pPr algn="ctr" defTabSz="514350"/>
+            <a:endParaRPr lang="en-US" sz="1013">
+              <a:solidFill>
+                <a:prstClr val="white"/>
+              </a:solidFill>
+              <a:latin typeface="Arial"/>
+            </a:endParaRPr>
+          </a:p>
+        </p:txBody>
+      </p:sp>
+      <p:pic>
+        <p:nvPicPr>
+          <p:cNvPr id="8" name="Picture 7">
+            <a:extLst>
+              <a:ext uri="{FF2B5EF4-FFF2-40B4-BE49-F238E27FC236}">
+                <a16:creationId xmlns:a16="http://schemas.microsoft.com/office/drawing/2014/main" id="{DBAAE3A1-D3BD-42C9-95D2-898D974DFBB8}"/>
+              </a:ext>
+            </a:extLst>
+          </p:cNvPr>
+          <p:cNvPicPr>
+            <a:picLocks noChangeAspect="1"/>
+          </p:cNvPicPr>
+          <p:nvPr/>
+        </p:nvPicPr>
+        <p:blipFill rotWithShape="1">
+          <a:blip r:embed="rId3"/>
+          <a:srcRect r="50402"/>
+          <a:stretch/>
+        </p:blipFill>
+        <p:spPr>
+          <a:xfrm>
+            <a:off x="6852542" y="2166485"/>
+            <a:ext cx="2253915" cy="1999160"/>
+          </a:xfrm>
+          <a:prstGeom prst="rect">
+            <a:avLst/>
+          </a:prstGeom>
+        </p:spPr>
+      </p:pic>
+      <p:sp>
+        <p:nvSpPr>
+          <p:cNvPr id="9" name="Isosceles Triangle 8">
+            <a:extLst>
+              <a:ext uri="{FF2B5EF4-FFF2-40B4-BE49-F238E27FC236}">
+                <a16:creationId xmlns:a16="http://schemas.microsoft.com/office/drawing/2014/main" id="{7F7BC28D-2CA8-4173-9AE3-CF0A74DEA0A7}"/>
+              </a:ext>
+            </a:extLst>
+          </p:cNvPr>
+          <p:cNvSpPr/>
+          <p:nvPr/>
+        </p:nvSpPr>
+        <p:spPr>
+          <a:xfrm rot="15756317">
+            <a:off x="4865462" y="1875065"/>
+            <a:ext cx="1222412" cy="2775815"/>
+          </a:xfrm>
+          <a:prstGeom prst="triangle">
+            <a:avLst>
+              <a:gd name="adj" fmla="val 49194"/>
+            </a:avLst>
+          </a:prstGeom>
+          <a:gradFill flip="none" rotWithShape="1">
+            <a:gsLst>
+              <a:gs pos="0">
+                <a:schemeClr val="accent3">
+                  <a:lumMod val="0"/>
+                  <a:lumOff val="100000"/>
+                  <a:alpha val="72000"/>
+                </a:schemeClr>
+              </a:gs>
+              <a:gs pos="50000">
+                <a:srgbClr val="D2D2D2"/>
+              </a:gs>
+              <a:gs pos="100000">
+                <a:schemeClr val="accent3">
+                  <a:lumMod val="100000"/>
+                </a:schemeClr>
+              </a:gs>
+            </a:gsLst>
+            <a:lin ang="16200000" scaled="0"/>
+            <a:tileRect/>
+          </a:gradFill>
+          <a:ln>
+            <a:noFill/>
+          </a:ln>
+        </p:spPr>
+        <p:style>
+          <a:lnRef idx="2">
+            <a:schemeClr val="accent1">
+              <a:shade val="50000"/>
+            </a:schemeClr>
+          </a:lnRef>
+          <a:fillRef idx="1">
+            <a:schemeClr val="accent1"/>
+          </a:fillRef>
+          <a:effectRef idx="0">
+            <a:schemeClr val="accent1"/>
+          </a:effectRef>
+          <a:fontRef idx="minor">
+            <a:schemeClr val="lt1"/>
+          </a:fontRef>
+        </p:style>
+        <p:txBody>
+          <a:bodyPr rtlCol="0" anchor="ctr"/>
+          <a:lstStyle/>
+          <a:p>
+            <a:pPr algn="ctr" defTabSz="514350"/>
+            <a:endParaRPr lang="en-US" sz="1013">
+              <a:solidFill>
+                <a:prstClr val="white"/>
+              </a:solidFill>
+              <a:latin typeface="Arial"/>
+            </a:endParaRPr>
+          </a:p>
+        </p:txBody>
+      </p:sp>
+      <p:pic>
+        <p:nvPicPr>
+          <p:cNvPr id="5" name="Picture 4">
+            <a:extLst>
+              <a:ext uri="{FF2B5EF4-FFF2-40B4-BE49-F238E27FC236}">
+                <a16:creationId xmlns:a16="http://schemas.microsoft.com/office/drawing/2014/main" id="{D26EB7A8-837C-491A-BD92-C9B1A76D7F6B}"/>
+              </a:ext>
+            </a:extLst>
+          </p:cNvPr>
+          <p:cNvPicPr>
+            <a:picLocks noChangeAspect="1"/>
+          </p:cNvPicPr>
+          <p:nvPr/>
+        </p:nvPicPr>
+        <p:blipFill rotWithShape="1">
+          <a:blip r:embed="rId3"/>
+          <a:srcRect l="50157" r="245"/>
+          <a:stretch/>
+        </p:blipFill>
+        <p:spPr>
+          <a:xfrm>
+            <a:off x="6702320" y="4165645"/>
+            <a:ext cx="2404136" cy="2132403"/>
+          </a:xfrm>
+          <a:prstGeom prst="rect">
+            <a:avLst/>
+          </a:prstGeom>
+        </p:spPr>
+      </p:pic>
+    </p:spTree>
+    <p:extLst>
+      <p:ext uri="{BB962C8B-B14F-4D97-AF65-F5344CB8AC3E}">
+        <p14:creationId xmlns:p14="http://schemas.microsoft.com/office/powerpoint/2010/main" val="2939751737"/>
+      </p:ext>
+    </p:extLst>
+  </p:cSld>
+  <p:clrMapOvr>
+    <a:masterClrMapping/>
+  </p:clrMapOvr>
+  <p:timing>
+    <p:tnLst>
+      <p:par>
+        <p:cTn id="1" dur="indefinite" restart="never" nodeType="tmRoot">
+          <p:childTnLst>
+            <p:seq concurrent="1" nextAc="seek">
+              <p:cTn id="2" dur="indefinite" nodeType="mainSeq">
+                <p:childTnLst>
+                  <p:par>
+                    <p:cTn id="3" fill="hold">
+                      <p:stCondLst>
+                        <p:cond delay="indefinite"/>
+                      </p:stCondLst>
+                      <p:childTnLst>
+                        <p:par>
+                          <p:cTn id="4" fill="hold">
+                            <p:stCondLst>
+                              <p:cond delay="0"/>
+                            </p:stCondLst>
+                            <p:childTnLst>
+                              <p:par>
+                                <p:cTn id="5" presetID="1" presetClass="entr" presetSubtype="0" fill="hold" grpId="0" nodeType="clickEffect">
+                                  <p:stCondLst>
+                                    <p:cond delay="0"/>
+                                  </p:stCondLst>
+                                  <p:childTnLst>
+                                    <p:set>
+                                      <p:cBhvr>
+                                        <p:cTn id="6" dur="1" fill="hold">
+                                          <p:stCondLst>
+                                            <p:cond delay="0"/>
+                                          </p:stCondLst>
+                                        </p:cTn>
+                                        <p:tgtEl>
+                                          <p:spTgt spid="9"/>
+                                        </p:tgtEl>
+                                        <p:attrNameLst>
+                                          <p:attrName>style.visibility</p:attrName>
+                                        </p:attrNameLst>
+                                      </p:cBhvr>
+                                      <p:to>
+                                        <p:strVal val="visible"/>
+                                      </p:to>
+                                    </p:set>
+                                  </p:childTnLst>
+                                </p:cTn>
+                              </p:par>
+                              <p:par>
+                                <p:cTn id="7" presetID="1" presetClass="entr" presetSubtype="0" fill="hold" nodeType="withEffect">
+                                  <p:stCondLst>
+                                    <p:cond delay="0"/>
+                                  </p:stCondLst>
+                                  <p:childTnLst>
+                                    <p:set>
+                                      <p:cBhvr>
+                                        <p:cTn id="8" dur="1" fill="hold">
+                                          <p:stCondLst>
+                                            <p:cond delay="0"/>
+                                          </p:stCondLst>
+                                        </p:cTn>
+                                        <p:tgtEl>
+                                          <p:spTgt spid="8"/>
+                                        </p:tgtEl>
+                                        <p:attrNameLst>
+                                          <p:attrName>style.visibility</p:attrName>
+                                        </p:attrNameLst>
+                                      </p:cBhvr>
+                                      <p:to>
+                                        <p:strVal val="visible"/>
+                                      </p:to>
+                                    </p:set>
+                                  </p:childTnLst>
+                                </p:cTn>
+                              </p:par>
+                            </p:childTnLst>
+                          </p:cTn>
+                        </p:par>
+                      </p:childTnLst>
+                    </p:cTn>
+                  </p:par>
+                  <p:par>
+                    <p:cTn id="9" fill="hold">
+                      <p:stCondLst>
+                        <p:cond delay="indefinite"/>
+                      </p:stCondLst>
+                      <p:childTnLst>
+                        <p:par>
+                          <p:cTn id="10" fill="hold">
+                            <p:stCondLst>
+                              <p:cond delay="0"/>
+                            </p:stCondLst>
+                            <p:childTnLst>
+                              <p:par>
+                                <p:cTn id="11" presetID="1" presetClass="entr" presetSubtype="0" fill="hold" grpId="0" nodeType="clickEffect">
+                                  <p:stCondLst>
+                                    <p:cond delay="0"/>
+                                  </p:stCondLst>
+                                  <p:childTnLst>
+                                    <p:set>
+                                      <p:cBhvr>
+                                        <p:cTn id="12" dur="1" fill="hold">
+                                          <p:stCondLst>
+                                            <p:cond delay="0"/>
+                                          </p:stCondLst>
+                                        </p:cTn>
+                                        <p:tgtEl>
+                                          <p:spTgt spid="7"/>
+                                        </p:tgtEl>
+                                        <p:attrNameLst>
+                                          <p:attrName>style.visibility</p:attrName>
+                                        </p:attrNameLst>
+                                      </p:cBhvr>
+                                      <p:to>
+                                        <p:strVal val="visible"/>
+                                      </p:to>
+                                    </p:set>
+                                  </p:childTnLst>
+                                </p:cTn>
+                              </p:par>
+                              <p:par>
+                                <p:cTn id="13" presetID="1" presetClass="entr" presetSubtype="0" fill="hold" nodeType="withEffect">
+                                  <p:stCondLst>
+                                    <p:cond delay="0"/>
+                                  </p:stCondLst>
+                                  <p:childTnLst>
+                                    <p:set>
+                                      <p:cBhvr>
+                                        <p:cTn id="14" dur="1" fill="hold">
+                                          <p:stCondLst>
+                                            <p:cond delay="0"/>
+                                          </p:stCondLst>
+                                        </p:cTn>
+                                        <p:tgtEl>
+                                          <p:spTgt spid="5"/>
+                                        </p:tgtEl>
+                                        <p:attrNameLst>
+                                          <p:attrName>style.visibility</p:attrName>
+                                        </p:attrNameLst>
+                                      </p:cBhvr>
+                                      <p:to>
+                                        <p:strVal val="visible"/>
+                                      </p:to>
+                                    </p:set>
+                                  </p:childTnLst>
+                                </p:cTn>
+                              </p:par>
+                            </p:childTnLst>
+                          </p:cTn>
+                        </p:par>
+                      </p:childTnLst>
+                    </p:cTn>
+                  </p:par>
+                </p:childTnLst>
+              </p:cTn>
+              <p:prevCondLst>
+                <p:cond evt="onPrev" delay="0">
+                  <p:tgtEl>
+                    <p:sldTgt/>
+                  </p:tgtEl>
+                </p:cond>
+              </p:prevCondLst>
+              <p:nextCondLst>
+                <p:cond evt="onNext" delay="0">
+                  <p:tgtEl>
+                    <p:sldTgt/>
+                  </p:tgtEl>
+                </p:cond>
+              </p:nextCondLst>
+            </p:seq>
+          </p:childTnLst>
+        </p:cTn>
+      </p:par>
+    </p:tnLst>
+    <p:bldLst>
+      <p:bldP spid="7" grpId="0" animBg="1"/>
+      <p:bldP spid="9" grpId="0" animBg="1"/>
+    </p:bldLst>
+  </p:timing>
+</p:sld>
+</file>
+
+<file path=ppt/slides/slide12.xml><?xml version="1.0" encoding="utf-8"?>
+<p:sld xmlns:a="http://schemas.openxmlformats.org/drawingml/2006/main" xmlns:r="http://schemas.openxmlformats.org/officeDocument/2006/relationships" xmlns:p="http://schemas.openxmlformats.org/presentationml/2006/main">
+  <p:cSld>
+    <p:spTree>
+      <p:nvGrpSpPr>
+        <p:cNvPr id="1" name=""/>
+        <p:cNvGrpSpPr/>
+        <p:nvPr/>
+      </p:nvGrpSpPr>
+      <p:grpSpPr>
+        <a:xfrm>
+          <a:off x="0" y="0"/>
+          <a:ext cx="0" cy="0"/>
+          <a:chOff x="0" y="0"/>
+          <a:chExt cx="0" cy="0"/>
+        </a:xfrm>
+      </p:grpSpPr>
+      <p:sp>
+        <p:nvSpPr>
+          <p:cNvPr id="2" name="Title 1">
+            <a:extLst>
+              <a:ext uri="{FF2B5EF4-FFF2-40B4-BE49-F238E27FC236}">
+                <a16:creationId xmlns:a16="http://schemas.microsoft.com/office/drawing/2014/main" id="{D65CF3B6-F037-4A89-BB21-476CBEBAF3DC}"/>
+              </a:ext>
+            </a:extLst>
+          </p:cNvPr>
+          <p:cNvSpPr>
+            <a:spLocks noGrp="1"/>
+          </p:cNvSpPr>
+          <p:nvPr>
+            <p:ph type="title"/>
+          </p:nvPr>
+        </p:nvSpPr>
+        <p:spPr/>
+        <p:txBody>
+          <a:bodyPr/>
+          <a:lstStyle/>
+          <a:p>
+            <a:r>
+              <a:rPr lang="en-US" dirty="0"/>
+              <a:t>Between Batch/Platform/Lab Signal Calibration</a:t>
+            </a:r>
+          </a:p>
+        </p:txBody>
+      </p:sp>
+      <p:sp>
+        <p:nvSpPr>
+          <p:cNvPr id="3" name="Content Placeholder 2">
+            <a:extLst>
+              <a:ext uri="{FF2B5EF4-FFF2-40B4-BE49-F238E27FC236}">
+                <a16:creationId xmlns:a16="http://schemas.microsoft.com/office/drawing/2014/main" id="{A3C894A3-7543-4481-8086-71E36F568369}"/>
+              </a:ext>
+            </a:extLst>
+          </p:cNvPr>
+          <p:cNvSpPr>
+            <a:spLocks noGrp="1"/>
+          </p:cNvSpPr>
+          <p:nvPr>
+            <p:ph sz="quarter" idx="1"/>
+          </p:nvPr>
+        </p:nvSpPr>
+        <p:spPr>
+          <a:xfrm>
+            <a:off x="741948" y="2226678"/>
+            <a:ext cx="10515600" cy="4351338"/>
+          </a:xfrm>
+        </p:spPr>
+        <p:txBody>
+          <a:bodyPr>
+            <a:normAutofit/>
+          </a:bodyPr>
+          <a:lstStyle/>
+          <a:p>
+            <a:pPr marL="0" indent="0">
+              <a:buNone/>
+            </a:pPr>
+            <a:r>
+              <a:rPr lang="en-US" sz="3200" dirty="0"/>
+              <a:t>Purpose of signal calibration</a:t>
+            </a:r>
+          </a:p>
+          <a:p>
+            <a:r>
+              <a:rPr lang="en-US" sz="3200" dirty="0"/>
+              <a:t>Placing signal on the same scale</a:t>
+            </a:r>
+          </a:p>
+          <a:p>
+            <a:r>
+              <a:rPr lang="en-US" sz="3200" dirty="0"/>
+              <a:t>Often the scale is arbitrary</a:t>
+            </a:r>
+          </a:p>
+          <a:p>
+            <a:pPr lvl="1"/>
+            <a:r>
+              <a:rPr lang="en-US" dirty="0"/>
+              <a:t>Kilogram = mass of a liter of water at freezing point</a:t>
+            </a:r>
+          </a:p>
+          <a:p>
+            <a:pPr lvl="1"/>
+            <a:r>
+              <a:rPr lang="en-US" dirty="0"/>
+              <a:t>Meter = 1/10,000,000 the distance from the equator to the north pole</a:t>
+            </a:r>
+          </a:p>
+          <a:p>
+            <a:pPr lvl="1"/>
+            <a:r>
+              <a:rPr lang="en-US" dirty="0"/>
+              <a:t>Pee dee </a:t>
+            </a:r>
+            <a:r>
+              <a:rPr lang="en-US" dirty="0" err="1"/>
+              <a:t>belomnite</a:t>
+            </a:r>
+            <a:r>
+              <a:rPr lang="en-US" dirty="0"/>
+              <a:t> (PDB) = reference for 13C, fossil found in </a:t>
+            </a:r>
+            <a:r>
+              <a:rPr lang="en-US" dirty="0" err="1"/>
+              <a:t>Peedee</a:t>
+            </a:r>
+            <a:r>
+              <a:rPr lang="en-US" dirty="0"/>
+              <a:t> Formation in South Carolina</a:t>
+            </a:r>
+          </a:p>
+          <a:p>
+            <a:pPr lvl="1"/>
+            <a:r>
+              <a:rPr lang="en-US" dirty="0"/>
+              <a:t>Standard mean ocean water (SMOW) = reference for 18O, arbitrary mix of distilled water from different regions of the world.</a:t>
+            </a:r>
+          </a:p>
+        </p:txBody>
+      </p:sp>
+      <p:pic>
+        <p:nvPicPr>
+          <p:cNvPr id="8194" name="Picture 2" descr="https://lh6.googleusercontent.com/uzrDORsqXVybHYJxiKB6ig0jTsWNOe5x5HzDJBruAXVUysJNi--YxJGDSsVs3Ady_nGmWLOYirxVSbjRkk3CYnugQqnboiKAoei7VlE1DVAmO0fORW4lQODKwZ67J6TwKwMySMzw">
+            <a:extLst>
+              <a:ext uri="{FF2B5EF4-FFF2-40B4-BE49-F238E27FC236}">
+                <a16:creationId xmlns:a16="http://schemas.microsoft.com/office/drawing/2014/main" id="{6E715778-0D62-4189-875E-095DA3F43B74}"/>
+              </a:ext>
+            </a:extLst>
+          </p:cNvPr>
+          <p:cNvPicPr>
+            <a:picLocks noChangeAspect="1" noChangeArrowheads="1"/>
+          </p:cNvPicPr>
+          <p:nvPr/>
+        </p:nvPicPr>
+        <p:blipFill>
+          <a:blip r:embed="rId2">
+            <a:extLst>
+              <a:ext uri="{28A0092B-C50C-407E-A947-70E740481C1C}">
+                <a14:useLocalDpi xmlns:a14="http://schemas.microsoft.com/office/drawing/2010/main" val="0"/>
+              </a:ext>
+            </a:extLst>
+          </a:blip>
+          <a:srcRect/>
+          <a:stretch>
+            <a:fillRect/>
+          </a:stretch>
+        </p:blipFill>
+        <p:spPr bwMode="auto">
+          <a:xfrm>
+            <a:off x="2181727" y="2579575"/>
+            <a:ext cx="7648845" cy="3187018"/>
+          </a:xfrm>
+          <a:prstGeom prst="rect">
+            <a:avLst/>
+          </a:prstGeom>
+          <a:noFill/>
+          <a:ln>
+            <a:solidFill>
+              <a:schemeClr val="tx1"/>
+            </a:solidFill>
+          </a:ln>
+          <a:effectLst>
+            <a:outerShdw blurRad="50800" dist="38100" dir="2700000" algn="tl" rotWithShape="0">
+              <a:prstClr val="black">
+                <a:alpha val="40000"/>
+              </a:prstClr>
+            </a:outerShdw>
+          </a:effectLst>
+          <a:extLst>
+            <a:ext uri="{909E8E84-426E-40DD-AFC4-6F175D3DCCD1}">
+              <a14:hiddenFill xmlns:a14="http://schemas.microsoft.com/office/drawing/2010/main">
+                <a:solidFill>
+                  <a:srgbClr val="FFFFFF"/>
+                </a:solidFill>
+              </a14:hiddenFill>
+            </a:ext>
+          </a:extLst>
+        </p:spPr>
+      </p:pic>
+    </p:spTree>
+    <p:extLst>
+      <p:ext uri="{BB962C8B-B14F-4D97-AF65-F5344CB8AC3E}">
+        <p14:creationId xmlns:p14="http://schemas.microsoft.com/office/powerpoint/2010/main" val="1990223645"/>
+      </p:ext>
+    </p:extLst>
+  </p:cSld>
+  <p:clrMapOvr>
+    <a:masterClrMapping/>
+  </p:clrMapOvr>
+  <p:timing>
+    <p:tnLst>
+      <p:par>
+        <p:cTn id="1" dur="indefinite" restart="never" nodeType="tmRoot">
+          <p:childTnLst>
+            <p:seq concurrent="1" nextAc="seek">
+              <p:cTn id="2" dur="indefinite" nodeType="mainSeq">
+                <p:childTnLst>
+                  <p:par>
+                    <p:cTn id="3" fill="hold">
+                      <p:stCondLst>
+                        <p:cond delay="indefinite"/>
+                      </p:stCondLst>
+                      <p:childTnLst>
+                        <p:par>
+                          <p:cTn id="4" fill="hold">
+                            <p:stCondLst>
+                              <p:cond delay="0"/>
+                            </p:stCondLst>
+                            <p:childTnLst>
+                              <p:par>
+                                <p:cTn id="5" presetID="1" presetClass="entr" presetSubtype="0" fill="hold" nodeType="clickEffect">
+                                  <p:stCondLst>
+                                    <p:cond delay="0"/>
+                                  </p:stCondLst>
+                                  <p:childTnLst>
+                                    <p:set>
+                                      <p:cBhvr>
+                                        <p:cTn id="6" dur="1" fill="hold">
+                                          <p:stCondLst>
+                                            <p:cond delay="0"/>
+                                          </p:stCondLst>
+                                        </p:cTn>
+                                        <p:tgtEl>
+                                          <p:spTgt spid="8194"/>
+                                        </p:tgtEl>
+                                        <p:attrNameLst>
+                                          <p:attrName>style.visibility</p:attrName>
+                                        </p:attrNameLst>
+                                      </p:cBhvr>
+                                      <p:to>
+                                        <p:strVal val="visible"/>
+                                      </p:to>
+                                    </p:set>
+                                  </p:childTnLst>
+                                </p:cTn>
+                              </p:par>
+                            </p:childTnLst>
+                          </p:cTn>
+                        </p:par>
+                      </p:childTnLst>
+                    </p:cTn>
+                  </p:par>
+                </p:childTnLst>
+              </p:cTn>
+              <p:prevCondLst>
+                <p:cond evt="onPrev" delay="0">
+                  <p:tgtEl>
+                    <p:sldTgt/>
+                  </p:tgtEl>
+                </p:cond>
+              </p:prevCondLst>
+              <p:nextCondLst>
+                <p:cond evt="onNext" delay="0">
+                  <p:tgtEl>
+                    <p:sldTgt/>
+                  </p:tgtEl>
+                </p:cond>
+              </p:nextCondLst>
+            </p:seq>
+          </p:childTnLst>
+        </p:cTn>
+      </p:par>
+    </p:tnLst>
+  </p:timing>
+</p:sld>
+</file>
+
+<file path=ppt/slides/slide13.xml><?xml version="1.0" encoding="utf-8"?>
+<p:sld xmlns:a="http://schemas.openxmlformats.org/drawingml/2006/main" xmlns:r="http://schemas.openxmlformats.org/officeDocument/2006/relationships" xmlns:p="http://schemas.openxmlformats.org/presentationml/2006/main">
+  <p:cSld>
+    <p:spTree>
+      <p:nvGrpSpPr>
+        <p:cNvPr id="1" name=""/>
+        <p:cNvGrpSpPr/>
+        <p:nvPr/>
+      </p:nvGrpSpPr>
+      <p:grpSpPr>
+        <a:xfrm>
+          <a:off x="0" y="0"/>
+          <a:ext cx="0" cy="0"/>
+          <a:chOff x="0" y="0"/>
+          <a:chExt cx="0" cy="0"/>
+        </a:xfrm>
+      </p:grpSpPr>
+      <p:sp>
+        <p:nvSpPr>
+          <p:cNvPr id="4" name="Title 3">
+            <a:extLst>
+              <a:ext uri="{FF2B5EF4-FFF2-40B4-BE49-F238E27FC236}">
+                <a16:creationId xmlns:a16="http://schemas.microsoft.com/office/drawing/2014/main" id="{7EC5F5C7-84F7-4C09-8906-BDCA2B3E0805}"/>
+              </a:ext>
+            </a:extLst>
+          </p:cNvPr>
+          <p:cNvSpPr>
+            <a:spLocks noGrp="1"/>
+          </p:cNvSpPr>
+          <p:nvPr>
+            <p:ph type="title"/>
+          </p:nvPr>
+        </p:nvSpPr>
+        <p:spPr>
+          <a:xfrm>
+            <a:off x="838200" y="184150"/>
+            <a:ext cx="10515600" cy="1325563"/>
+          </a:xfrm>
+        </p:spPr>
+        <p:txBody>
+          <a:bodyPr/>
+          <a:lstStyle/>
+          <a:p>
+            <a:r>
+              <a:rPr lang="en-US" dirty="0"/>
+              <a:t>What you calibrate against is important</a:t>
+            </a:r>
+          </a:p>
+        </p:txBody>
+      </p:sp>
+    </p:spTree>
+    <p:extLst>
+      <p:ext uri="{BB962C8B-B14F-4D97-AF65-F5344CB8AC3E}">
+        <p14:creationId xmlns:p14="http://schemas.microsoft.com/office/powerpoint/2010/main" val="3732676220"/>
+      </p:ext>
+    </p:extLst>
+  </p:cSld>
+  <p:clrMapOvr>
+    <a:masterClrMapping/>
+  </p:clrMapOvr>
+</p:sld>
+</file>
+
+<file path=ppt/slides/slide14.xml><?xml version="1.0" encoding="utf-8"?>
 <p:sld xmlns:a="http://schemas.openxmlformats.org/drawingml/2006/main" xmlns:r="http://schemas.openxmlformats.org/officeDocument/2006/relationships" xmlns:p="http://schemas.openxmlformats.org/presentationml/2006/main">
   <p:cSld>
     <p:spTree>
@@ -4494,7 +5569,7 @@
 </p:sld>
 </file>
 
-<file path=ppt/slides/slide11.xml><?xml version="1.0" encoding="utf-8"?>
+<file path=ppt/slides/slide15.xml><?xml version="1.0" encoding="utf-8"?>
 <p:sld xmlns:a="http://schemas.openxmlformats.org/drawingml/2006/main" xmlns:r="http://schemas.openxmlformats.org/officeDocument/2006/relationships" xmlns:p="http://schemas.openxmlformats.org/presentationml/2006/main">
   <p:cSld>
     <p:spTree>
@@ -4621,6 +5696,64 @@
     <p:extLst>
       <p:ext uri="{BB962C8B-B14F-4D97-AF65-F5344CB8AC3E}">
         <p14:creationId xmlns:p14="http://schemas.microsoft.com/office/powerpoint/2010/main" val="156933342"/>
+      </p:ext>
+    </p:extLst>
+  </p:cSld>
+  <p:clrMapOvr>
+    <a:masterClrMapping/>
+  </p:clrMapOvr>
+</p:sld>
+</file>
+
+<file path=ppt/slides/slide16.xml><?xml version="1.0" encoding="utf-8"?>
+<p:sld xmlns:a="http://schemas.openxmlformats.org/drawingml/2006/main" xmlns:r="http://schemas.openxmlformats.org/officeDocument/2006/relationships" xmlns:p="http://schemas.openxmlformats.org/presentationml/2006/main">
+  <p:cSld>
+    <p:spTree>
+      <p:nvGrpSpPr>
+        <p:cNvPr id="1" name=""/>
+        <p:cNvGrpSpPr/>
+        <p:nvPr/>
+      </p:nvGrpSpPr>
+      <p:grpSpPr>
+        <a:xfrm>
+          <a:off x="0" y="0"/>
+          <a:ext cx="0" cy="0"/>
+          <a:chOff x="0" y="0"/>
+          <a:chExt cx="0" cy="0"/>
+        </a:xfrm>
+      </p:grpSpPr>
+      <p:sp>
+        <p:nvSpPr>
+          <p:cNvPr id="2" name="Title 1">
+            <a:extLst>
+              <a:ext uri="{FF2B5EF4-FFF2-40B4-BE49-F238E27FC236}">
+                <a16:creationId xmlns:a16="http://schemas.microsoft.com/office/drawing/2014/main" id="{61C7101A-8719-4648-A1AA-6B9F6B55BDB9}"/>
+              </a:ext>
+            </a:extLst>
+          </p:cNvPr>
+          <p:cNvSpPr>
+            <a:spLocks noGrp="1"/>
+          </p:cNvSpPr>
+          <p:nvPr>
+            <p:ph type="title"/>
+          </p:nvPr>
+        </p:nvSpPr>
+        <p:spPr/>
+        <p:txBody>
+          <a:bodyPr/>
+          <a:lstStyle/>
+          <a:p>
+            <a:r>
+              <a:rPr lang="en-US" dirty="0"/>
+              <a:t>What is the difference between relative and absolute quantitation?</a:t>
+            </a:r>
+          </a:p>
+        </p:txBody>
+      </p:sp>
+    </p:spTree>
+    <p:extLst>
+      <p:ext uri="{BB962C8B-B14F-4D97-AF65-F5344CB8AC3E}">
+        <p14:creationId xmlns:p14="http://schemas.microsoft.com/office/powerpoint/2010/main" val="4176164375"/>
       </p:ext>
     </p:extLst>
   </p:cSld>
@@ -4649,6 +5782,295 @@
       </p:grpSpPr>
       <p:sp>
         <p:nvSpPr>
+          <p:cNvPr id="2" name="Title 1">
+            <a:extLst>
+              <a:ext uri="{FF2B5EF4-FFF2-40B4-BE49-F238E27FC236}">
+                <a16:creationId xmlns:a16="http://schemas.microsoft.com/office/drawing/2014/main" id="{2C163552-400B-42B1-9AF9-98A5F28F8A3F}"/>
+              </a:ext>
+            </a:extLst>
+          </p:cNvPr>
+          <p:cNvSpPr>
+            <a:spLocks noGrp="1"/>
+          </p:cNvSpPr>
+          <p:nvPr>
+            <p:ph type="title"/>
+          </p:nvPr>
+        </p:nvSpPr>
+        <p:spPr/>
+        <p:txBody>
+          <a:bodyPr/>
+          <a:lstStyle/>
+          <a:p>
+            <a:r>
+              <a:rPr lang="en-US" dirty="0"/>
+              <a:t>Fluorescence Advantage</a:t>
+            </a:r>
+          </a:p>
+        </p:txBody>
+      </p:sp>
+      <p:sp>
+        <p:nvSpPr>
+          <p:cNvPr id="3" name="Content Placeholder 2">
+            <a:extLst>
+              <a:ext uri="{FF2B5EF4-FFF2-40B4-BE49-F238E27FC236}">
+                <a16:creationId xmlns:a16="http://schemas.microsoft.com/office/drawing/2014/main" id="{6AAFDD41-60B2-4C7B-9CE0-4C8E48FBED5D}"/>
+              </a:ext>
+            </a:extLst>
+          </p:cNvPr>
+          <p:cNvSpPr>
+            <a:spLocks noGrp="1"/>
+          </p:cNvSpPr>
+          <p:nvPr>
+            <p:ph idx="1"/>
+          </p:nvPr>
+        </p:nvSpPr>
+        <p:spPr>
+          <a:xfrm>
+            <a:off x="774032" y="2326105"/>
+            <a:ext cx="10515600" cy="3225216"/>
+          </a:xfrm>
+        </p:spPr>
+        <p:txBody>
+          <a:bodyPr>
+            <a:normAutofit fontScale="92500" lnSpcReduction="10000"/>
+          </a:bodyPr>
+          <a:lstStyle/>
+          <a:p>
+            <a:r>
+              <a:rPr lang="en-US" sz="3600" dirty="0"/>
+              <a:t>Fluorescence is measured over a dark background, while absorbance is measured over a bright background. </a:t>
+            </a:r>
+          </a:p>
+          <a:p>
+            <a:endParaRPr lang="en-US" sz="3600" dirty="0"/>
+          </a:p>
+          <a:p>
+            <a:r>
+              <a:rPr lang="en-US" sz="3600" dirty="0"/>
+              <a:t>Measuring signal over a large background is hard.</a:t>
+            </a:r>
+          </a:p>
+          <a:p>
+            <a:endParaRPr lang="en-US" sz="3600" dirty="0"/>
+          </a:p>
+          <a:p>
+            <a:r>
+              <a:rPr lang="en-US" sz="3600" dirty="0"/>
+              <a:t>Chemical noise/background is a major limitation.</a:t>
+            </a:r>
+          </a:p>
+        </p:txBody>
+      </p:sp>
+    </p:spTree>
+    <p:extLst>
+      <p:ext uri="{BB962C8B-B14F-4D97-AF65-F5344CB8AC3E}">
+        <p14:creationId xmlns:p14="http://schemas.microsoft.com/office/powerpoint/2010/main" val="382929661"/>
+      </p:ext>
+    </p:extLst>
+  </p:cSld>
+  <p:clrMapOvr>
+    <a:masterClrMapping/>
+  </p:clrMapOvr>
+</p:sld>
+</file>
+
+<file path=ppt/slides/slide3.xml><?xml version="1.0" encoding="utf-8"?>
+<p:sld xmlns:a="http://schemas.openxmlformats.org/drawingml/2006/main" xmlns:r="http://schemas.openxmlformats.org/officeDocument/2006/relationships" xmlns:p="http://schemas.openxmlformats.org/presentationml/2006/main">
+  <p:cSld>
+    <p:spTree>
+      <p:nvGrpSpPr>
+        <p:cNvPr id="1" name=""/>
+        <p:cNvGrpSpPr/>
+        <p:nvPr/>
+      </p:nvGrpSpPr>
+      <p:grpSpPr>
+        <a:xfrm>
+          <a:off x="0" y="0"/>
+          <a:ext cx="0" cy="0"/>
+          <a:chOff x="0" y="0"/>
+          <a:chExt cx="0" cy="0"/>
+        </a:xfrm>
+      </p:grpSpPr>
+      <p:pic>
+        <p:nvPicPr>
+          <p:cNvPr id="5" name="Picture 4">
+            <a:extLst>
+              <a:ext uri="{FF2B5EF4-FFF2-40B4-BE49-F238E27FC236}">
+                <a16:creationId xmlns:a16="http://schemas.microsoft.com/office/drawing/2014/main" id="{88D0C0D9-2052-449E-B30D-97241DF5E86E}"/>
+              </a:ext>
+            </a:extLst>
+          </p:cNvPr>
+          <p:cNvPicPr>
+            <a:picLocks noChangeAspect="1"/>
+          </p:cNvPicPr>
+          <p:nvPr/>
+        </p:nvPicPr>
+        <p:blipFill>
+          <a:blip r:embed="rId2"/>
+          <a:stretch>
+            <a:fillRect/>
+          </a:stretch>
+        </p:blipFill>
+        <p:spPr>
+          <a:xfrm>
+            <a:off x="883920" y="0"/>
+            <a:ext cx="10424160" cy="6858000"/>
+          </a:xfrm>
+          <a:prstGeom prst="rect">
+            <a:avLst/>
+          </a:prstGeom>
+        </p:spPr>
+      </p:pic>
+    </p:spTree>
+    <p:extLst>
+      <p:ext uri="{BB962C8B-B14F-4D97-AF65-F5344CB8AC3E}">
+        <p14:creationId xmlns:p14="http://schemas.microsoft.com/office/powerpoint/2010/main" val="3481787298"/>
+      </p:ext>
+    </p:extLst>
+  </p:cSld>
+  <p:clrMapOvr>
+    <a:masterClrMapping/>
+  </p:clrMapOvr>
+</p:sld>
+</file>
+
+<file path=ppt/slides/slide4.xml><?xml version="1.0" encoding="utf-8"?>
+<p:sld xmlns:a="http://schemas.openxmlformats.org/drawingml/2006/main" xmlns:r="http://schemas.openxmlformats.org/officeDocument/2006/relationships" xmlns:p="http://schemas.openxmlformats.org/presentationml/2006/main">
+  <p:cSld>
+    <p:spTree>
+      <p:nvGrpSpPr>
+        <p:cNvPr id="1" name=""/>
+        <p:cNvGrpSpPr/>
+        <p:nvPr/>
+      </p:nvGrpSpPr>
+      <p:grpSpPr>
+        <a:xfrm>
+          <a:off x="0" y="0"/>
+          <a:ext cx="0" cy="0"/>
+          <a:chOff x="0" y="0"/>
+          <a:chExt cx="0" cy="0"/>
+        </a:xfrm>
+      </p:grpSpPr>
+      <p:pic>
+        <p:nvPicPr>
+          <p:cNvPr id="3" name="Picture 2">
+            <a:extLst>
+              <a:ext uri="{FF2B5EF4-FFF2-40B4-BE49-F238E27FC236}">
+                <a16:creationId xmlns:a16="http://schemas.microsoft.com/office/drawing/2014/main" id="{E527A990-8D4A-4B0B-97C5-C52C994C88B3}"/>
+              </a:ext>
+            </a:extLst>
+          </p:cNvPr>
+          <p:cNvPicPr>
+            <a:picLocks noChangeAspect="1"/>
+          </p:cNvPicPr>
+          <p:nvPr/>
+        </p:nvPicPr>
+        <p:blipFill>
+          <a:blip r:embed="rId2"/>
+          <a:stretch>
+            <a:fillRect/>
+          </a:stretch>
+        </p:blipFill>
+        <p:spPr>
+          <a:xfrm>
+            <a:off x="486070" y="0"/>
+            <a:ext cx="11219859" cy="6858000"/>
+          </a:xfrm>
+          <a:prstGeom prst="rect">
+            <a:avLst/>
+          </a:prstGeom>
+        </p:spPr>
+      </p:pic>
+    </p:spTree>
+    <p:extLst>
+      <p:ext uri="{BB962C8B-B14F-4D97-AF65-F5344CB8AC3E}">
+        <p14:creationId xmlns:p14="http://schemas.microsoft.com/office/powerpoint/2010/main" val="285504554"/>
+      </p:ext>
+    </p:extLst>
+  </p:cSld>
+  <p:clrMapOvr>
+    <a:masterClrMapping/>
+  </p:clrMapOvr>
+</p:sld>
+</file>
+
+<file path=ppt/slides/slide5.xml><?xml version="1.0" encoding="utf-8"?>
+<p:sld xmlns:a="http://schemas.openxmlformats.org/drawingml/2006/main" xmlns:r="http://schemas.openxmlformats.org/officeDocument/2006/relationships" xmlns:p="http://schemas.openxmlformats.org/presentationml/2006/main">
+  <p:cSld>
+    <p:spTree>
+      <p:nvGrpSpPr>
+        <p:cNvPr id="1" name=""/>
+        <p:cNvGrpSpPr/>
+        <p:nvPr/>
+      </p:nvGrpSpPr>
+      <p:grpSpPr>
+        <a:xfrm>
+          <a:off x="0" y="0"/>
+          <a:ext cx="0" cy="0"/>
+          <a:chOff x="0" y="0"/>
+          <a:chExt cx="0" cy="0"/>
+        </a:xfrm>
+      </p:grpSpPr>
+      <p:sp>
+        <p:nvSpPr>
+          <p:cNvPr id="4" name="Title 3">
+            <a:extLst>
+              <a:ext uri="{FF2B5EF4-FFF2-40B4-BE49-F238E27FC236}">
+                <a16:creationId xmlns:a16="http://schemas.microsoft.com/office/drawing/2014/main" id="{6C8173CF-5C9D-4286-9790-0F2AF6969AF4}"/>
+              </a:ext>
+            </a:extLst>
+          </p:cNvPr>
+          <p:cNvSpPr>
+            <a:spLocks noGrp="1"/>
+          </p:cNvSpPr>
+          <p:nvPr>
+            <p:ph type="title"/>
+          </p:nvPr>
+        </p:nvSpPr>
+        <p:spPr/>
+        <p:txBody>
+          <a:bodyPr/>
+          <a:lstStyle/>
+          <a:p>
+            <a:r>
+              <a:rPr lang="en-US" dirty="0"/>
+              <a:t>What is the purpose of calibration?</a:t>
+            </a:r>
+          </a:p>
+        </p:txBody>
+      </p:sp>
+    </p:spTree>
+    <p:extLst>
+      <p:ext uri="{BB962C8B-B14F-4D97-AF65-F5344CB8AC3E}">
+        <p14:creationId xmlns:p14="http://schemas.microsoft.com/office/powerpoint/2010/main" val="3182592164"/>
+      </p:ext>
+    </p:extLst>
+  </p:cSld>
+  <p:clrMapOvr>
+    <a:masterClrMapping/>
+  </p:clrMapOvr>
+</p:sld>
+</file>
+
+<file path=ppt/slides/slide6.xml><?xml version="1.0" encoding="utf-8"?>
+<p:sld xmlns:a="http://schemas.openxmlformats.org/drawingml/2006/main" xmlns:r="http://schemas.openxmlformats.org/officeDocument/2006/relationships" xmlns:p="http://schemas.openxmlformats.org/presentationml/2006/main">
+  <p:cSld>
+    <p:spTree>
+      <p:nvGrpSpPr>
+        <p:cNvPr id="1" name=""/>
+        <p:cNvGrpSpPr/>
+        <p:nvPr/>
+      </p:nvGrpSpPr>
+      <p:grpSpPr>
+        <a:xfrm>
+          <a:off x="0" y="0"/>
+          <a:ext cx="0" cy="0"/>
+          <a:chOff x="0" y="0"/>
+          <a:chExt cx="0" cy="0"/>
+        </a:xfrm>
+      </p:grpSpPr>
+      <p:sp>
+        <p:nvSpPr>
           <p:cNvPr id="21506" name="Title 6"/>
           <p:cNvSpPr>
             <a:spLocks noGrp="1"/>
@@ -4717,7 +6139,7 @@
                 </a:spcAft>
                 <a:defRPr/>
               </a:pPr>
-              <a:t>2</a:t>
+              <a:t>6</a:t>
             </a:fld>
             <a:endParaRPr lang="en-US" sz="1400">
               <a:solidFill>
@@ -4744,7 +6166,7 @@
         <p:spPr>
           <a:xfrm>
             <a:off x="1704093" y="1855798"/>
-            <a:ext cx="9086077" cy="1323439"/>
+            <a:ext cx="8653266" cy="1323439"/>
           </a:xfrm>
           <a:prstGeom prst="rect">
             <a:avLst/>
@@ -4763,7 +6185,7 @@
             </a:pPr>
             <a:r>
               <a:rPr lang="en-US" sz="4000" dirty="0"/>
-              <a:t>What is does it mean to be quantitative?</a:t>
+              <a:t>What does it mean to be quantitative?</a:t>
             </a:r>
           </a:p>
           <a:p>
@@ -4784,7 +6206,7 @@
 </p:sld>
 </file>
 
-<file path=ppt/slides/slide3.xml><?xml version="1.0" encoding="utf-8"?>
+<file path=ppt/slides/slide7.xml><?xml version="1.0" encoding="utf-8"?>
 <p:sld xmlns:a="http://schemas.openxmlformats.org/drawingml/2006/main" xmlns:r="http://schemas.openxmlformats.org/officeDocument/2006/relationships" xmlns:p="http://schemas.openxmlformats.org/presentationml/2006/main">
   <p:cSld>
     <p:spTree>
@@ -5266,7 +6688,7 @@
 </p:sld>
 </file>
 
-<file path=ppt/slides/slide4.xml><?xml version="1.0" encoding="utf-8"?>
+<file path=ppt/slides/slide8.xml><?xml version="1.0" encoding="utf-8"?>
 <p:sld xmlns:a="http://schemas.openxmlformats.org/drawingml/2006/main" xmlns:r="http://schemas.openxmlformats.org/officeDocument/2006/relationships" xmlns:p="http://schemas.openxmlformats.org/presentationml/2006/main">
   <p:cSld>
     <p:spTree>
@@ -6180,7 +7602,7 @@
 </p:sld>
 </file>
 
-<file path=ppt/slides/slide5.xml><?xml version="1.0" encoding="utf-8"?>
+<file path=ppt/slides/slide9.xml><?xml version="1.0" encoding="utf-8"?>
 <p:sld xmlns:a="http://schemas.openxmlformats.org/drawingml/2006/main" xmlns:r="http://schemas.openxmlformats.org/officeDocument/2006/relationships" xmlns:p="http://schemas.openxmlformats.org/presentationml/2006/main">
   <p:cSld>
     <p:spTree>
@@ -6274,7 +7696,7 @@
                 </a:spcAft>
                 <a:defRPr/>
               </a:pPr>
-              <a:t>5</a:t>
+              <a:t>9</a:t>
             </a:fld>
             <a:endParaRPr lang="en-US" sz="1400">
               <a:solidFill>
@@ -7042,948 +8464,6 @@
     <p:extLst>
       <p:ext uri="{BB962C8B-B14F-4D97-AF65-F5344CB8AC3E}">
         <p14:creationId xmlns:p14="http://schemas.microsoft.com/office/powerpoint/2010/main" val="922683840"/>
-      </p:ext>
-    </p:extLst>
-  </p:cSld>
-  <p:clrMapOvr>
-    <a:masterClrMapping/>
-  </p:clrMapOvr>
-</p:sld>
-</file>
-
-<file path=ppt/slides/slide6.xml><?xml version="1.0" encoding="utf-8"?>
-<p:sld xmlns:a="http://schemas.openxmlformats.org/drawingml/2006/main" xmlns:r="http://schemas.openxmlformats.org/officeDocument/2006/relationships" xmlns:p="http://schemas.openxmlformats.org/presentationml/2006/main">
-  <p:cSld>
-    <p:spTree>
-      <p:nvGrpSpPr>
-        <p:cNvPr id="1" name=""/>
-        <p:cNvGrpSpPr/>
-        <p:nvPr/>
-      </p:nvGrpSpPr>
-      <p:grpSpPr>
-        <a:xfrm>
-          <a:off x="0" y="0"/>
-          <a:ext cx="0" cy="0"/>
-          <a:chOff x="0" y="0"/>
-          <a:chExt cx="0" cy="0"/>
-        </a:xfrm>
-      </p:grpSpPr>
-      <p:sp>
-        <p:nvSpPr>
-          <p:cNvPr id="21506" name="Title 6"/>
-          <p:cNvSpPr>
-            <a:spLocks noGrp="1"/>
-          </p:cNvSpPr>
-          <p:nvPr>
-            <p:ph type="title"/>
-          </p:nvPr>
-        </p:nvSpPr>
-        <p:spPr/>
-        <p:txBody>
-          <a:bodyPr/>
-          <a:lstStyle/>
-          <a:p>
-            <a:r>
-              <a:rPr lang="en-US"/>
-              <a:t>Quantitative Analysis 101</a:t>
-            </a:r>
-          </a:p>
-        </p:txBody>
-      </p:sp>
-      <p:sp>
-        <p:nvSpPr>
-          <p:cNvPr id="3" name="TextBox 2">
-            <a:extLst>
-              <a:ext uri="{FF2B5EF4-FFF2-40B4-BE49-F238E27FC236}">
-                <a16:creationId xmlns:a16="http://schemas.microsoft.com/office/drawing/2014/main" id="{8EBC2D1B-98BF-4DD0-83CD-7121C464DE77}"/>
-              </a:ext>
-            </a:extLst>
-          </p:cNvPr>
-          <p:cNvSpPr txBox="1"/>
-          <p:nvPr/>
-        </p:nvSpPr>
-        <p:spPr>
-          <a:xfrm>
-            <a:off x="1447420" y="1993232"/>
-            <a:ext cx="9086077" cy="1938992"/>
-          </a:xfrm>
-          <a:prstGeom prst="rect">
-            <a:avLst/>
-          </a:prstGeom>
-          <a:noFill/>
-        </p:spPr>
-        <p:txBody>
-          <a:bodyPr wrap="none" rtlCol="0">
-            <a:spAutoFit/>
-          </a:bodyPr>
-          <a:lstStyle/>
-          <a:p>
-            <a:pPr marL="457200" indent="-457200">
-              <a:buFont typeface="Arial" panose="020B0604020202020204" pitchFamily="34" charset="0"/>
-              <a:buChar char="•"/>
-            </a:pPr>
-            <a:r>
-              <a:rPr lang="en-US" sz="4000" dirty="0"/>
-              <a:t>What is does it mean to be quantitative?</a:t>
-            </a:r>
-          </a:p>
-          <a:p>
-            <a:pPr marL="457200" indent="-457200">
-              <a:buFont typeface="Arial" panose="020B0604020202020204" pitchFamily="34" charset="0"/>
-              <a:buChar char="•"/>
-            </a:pPr>
-            <a:endParaRPr lang="en-US" sz="4000" dirty="0"/>
-          </a:p>
-          <a:p>
-            <a:pPr marL="457200" indent="-457200">
-              <a:buFont typeface="Arial" panose="020B0604020202020204" pitchFamily="34" charset="0"/>
-              <a:buChar char="•"/>
-            </a:pPr>
-            <a:r>
-              <a:rPr lang="en-US" sz="4000" dirty="0"/>
-              <a:t>What does signal calibration mean?</a:t>
-            </a:r>
-          </a:p>
-        </p:txBody>
-      </p:sp>
-    </p:spTree>
-    <p:extLst>
-      <p:ext uri="{BB962C8B-B14F-4D97-AF65-F5344CB8AC3E}">
-        <p14:creationId xmlns:p14="http://schemas.microsoft.com/office/powerpoint/2010/main" val="2254547811"/>
-      </p:ext>
-    </p:extLst>
-  </p:cSld>
-  <p:clrMapOvr>
-    <a:masterClrMapping/>
-  </p:clrMapOvr>
-</p:sld>
-</file>
-
-<file path=ppt/slides/slide7.xml><?xml version="1.0" encoding="utf-8"?>
-<p:sld xmlns:a="http://schemas.openxmlformats.org/drawingml/2006/main" xmlns:r="http://schemas.openxmlformats.org/officeDocument/2006/relationships" xmlns:p="http://schemas.openxmlformats.org/presentationml/2006/main">
-  <p:cSld>
-    <p:spTree>
-      <p:nvGrpSpPr>
-        <p:cNvPr id="1" name=""/>
-        <p:cNvGrpSpPr/>
-        <p:nvPr/>
-      </p:nvGrpSpPr>
-      <p:grpSpPr>
-        <a:xfrm>
-          <a:off x="0" y="0"/>
-          <a:ext cx="0" cy="0"/>
-          <a:chOff x="0" y="0"/>
-          <a:chExt cx="0" cy="0"/>
-        </a:xfrm>
-      </p:grpSpPr>
-      <p:sp>
-        <p:nvSpPr>
-          <p:cNvPr id="2" name="Title 1">
-            <a:extLst>
-              <a:ext uri="{FF2B5EF4-FFF2-40B4-BE49-F238E27FC236}">
-                <a16:creationId xmlns:a16="http://schemas.microsoft.com/office/drawing/2014/main" id="{8DDB2D64-A037-4639-A074-647D0CC83D71}"/>
-              </a:ext>
-            </a:extLst>
-          </p:cNvPr>
-          <p:cNvSpPr>
-            <a:spLocks noGrp="1"/>
-          </p:cNvSpPr>
-          <p:nvPr>
-            <p:ph type="title"/>
-          </p:nvPr>
-        </p:nvSpPr>
-        <p:spPr/>
-        <p:txBody>
-          <a:bodyPr>
-            <a:normAutofit/>
-          </a:bodyPr>
-          <a:lstStyle/>
-          <a:p>
-            <a:pPr algn="ctr"/>
-            <a:r>
-              <a:rPr lang="en-US" dirty="0"/>
-              <a:t>Measurements on different platforms are not measured on the same scale</a:t>
-            </a:r>
-          </a:p>
-        </p:txBody>
-      </p:sp>
-      <p:pic>
-        <p:nvPicPr>
-          <p:cNvPr id="6" name="Content Placeholder 5">
-            <a:extLst>
-              <a:ext uri="{FF2B5EF4-FFF2-40B4-BE49-F238E27FC236}">
-                <a16:creationId xmlns:a16="http://schemas.microsoft.com/office/drawing/2014/main" id="{39534013-EA44-45BC-BCCD-D74EEECA2ADF}"/>
-              </a:ext>
-            </a:extLst>
-          </p:cNvPr>
-          <p:cNvPicPr>
-            <a:picLocks noGrp="1" noChangeAspect="1"/>
-          </p:cNvPicPr>
-          <p:nvPr>
-            <p:ph idx="1"/>
-          </p:nvPr>
-        </p:nvPicPr>
-        <p:blipFill rotWithShape="1">
-          <a:blip r:embed="rId2">
-            <a:extLst>
-              <a:ext uri="{28A0092B-C50C-407E-A947-70E740481C1C}">
-                <a14:useLocalDpi xmlns:a14="http://schemas.microsoft.com/office/drawing/2010/main" val="0"/>
-              </a:ext>
-            </a:extLst>
-          </a:blip>
-          <a:srcRect l="1" r="56781"/>
-          <a:stretch/>
-        </p:blipFill>
-        <p:spPr>
-          <a:xfrm>
-            <a:off x="1925052" y="2406441"/>
-            <a:ext cx="4094147" cy="3949909"/>
-          </a:xfrm>
-        </p:spPr>
-      </p:pic>
-      <p:sp>
-        <p:nvSpPr>
-          <p:cNvPr id="7" name="Isosceles Triangle 6">
-            <a:extLst>
-              <a:ext uri="{FF2B5EF4-FFF2-40B4-BE49-F238E27FC236}">
-                <a16:creationId xmlns:a16="http://schemas.microsoft.com/office/drawing/2014/main" id="{DC3CE0E6-F796-4607-A94F-4E3D14D6667C}"/>
-              </a:ext>
-            </a:extLst>
-          </p:cNvPr>
-          <p:cNvSpPr/>
-          <p:nvPr/>
-        </p:nvSpPr>
-        <p:spPr>
-          <a:xfrm rot="16453277">
-            <a:off x="5585355" y="4113293"/>
-            <a:ext cx="1226684" cy="1220705"/>
-          </a:xfrm>
-          <a:prstGeom prst="triangle">
-            <a:avLst>
-              <a:gd name="adj" fmla="val 77207"/>
-            </a:avLst>
-          </a:prstGeom>
-          <a:gradFill flip="none" rotWithShape="1">
-            <a:gsLst>
-              <a:gs pos="0">
-                <a:schemeClr val="accent3">
-                  <a:lumMod val="0"/>
-                  <a:lumOff val="100000"/>
-                  <a:alpha val="72000"/>
-                </a:schemeClr>
-              </a:gs>
-              <a:gs pos="50000">
-                <a:srgbClr val="D2D2D2"/>
-              </a:gs>
-              <a:gs pos="100000">
-                <a:schemeClr val="accent3">
-                  <a:lumMod val="100000"/>
-                </a:schemeClr>
-              </a:gs>
-            </a:gsLst>
-            <a:lin ang="16200000" scaled="0"/>
-            <a:tileRect/>
-          </a:gradFill>
-          <a:ln>
-            <a:noFill/>
-          </a:ln>
-        </p:spPr>
-        <p:style>
-          <a:lnRef idx="2">
-            <a:schemeClr val="accent1">
-              <a:shade val="50000"/>
-            </a:schemeClr>
-          </a:lnRef>
-          <a:fillRef idx="1">
-            <a:schemeClr val="accent1"/>
-          </a:fillRef>
-          <a:effectRef idx="0">
-            <a:schemeClr val="accent1"/>
-          </a:effectRef>
-          <a:fontRef idx="minor">
-            <a:schemeClr val="lt1"/>
-          </a:fontRef>
-        </p:style>
-        <p:txBody>
-          <a:bodyPr rtlCol="0" anchor="ctr"/>
-          <a:lstStyle/>
-          <a:p>
-            <a:pPr algn="ctr" defTabSz="514350"/>
-            <a:endParaRPr lang="en-US" sz="1013">
-              <a:solidFill>
-                <a:prstClr val="white"/>
-              </a:solidFill>
-              <a:latin typeface="Arial"/>
-            </a:endParaRPr>
-          </a:p>
-        </p:txBody>
-      </p:sp>
-      <p:pic>
-        <p:nvPicPr>
-          <p:cNvPr id="8" name="Picture 7">
-            <a:extLst>
-              <a:ext uri="{FF2B5EF4-FFF2-40B4-BE49-F238E27FC236}">
-                <a16:creationId xmlns:a16="http://schemas.microsoft.com/office/drawing/2014/main" id="{DBAAE3A1-D3BD-42C9-95D2-898D974DFBB8}"/>
-              </a:ext>
-            </a:extLst>
-          </p:cNvPr>
-          <p:cNvPicPr>
-            <a:picLocks noChangeAspect="1"/>
-          </p:cNvPicPr>
-          <p:nvPr/>
-        </p:nvPicPr>
-        <p:blipFill rotWithShape="1">
-          <a:blip r:embed="rId3"/>
-          <a:srcRect r="50402"/>
-          <a:stretch/>
-        </p:blipFill>
-        <p:spPr>
-          <a:xfrm>
-            <a:off x="6852542" y="2166485"/>
-            <a:ext cx="2253915" cy="1999160"/>
-          </a:xfrm>
-          <a:prstGeom prst="rect">
-            <a:avLst/>
-          </a:prstGeom>
-        </p:spPr>
-      </p:pic>
-      <p:sp>
-        <p:nvSpPr>
-          <p:cNvPr id="9" name="Isosceles Triangle 8">
-            <a:extLst>
-              <a:ext uri="{FF2B5EF4-FFF2-40B4-BE49-F238E27FC236}">
-                <a16:creationId xmlns:a16="http://schemas.microsoft.com/office/drawing/2014/main" id="{7F7BC28D-2CA8-4173-9AE3-CF0A74DEA0A7}"/>
-              </a:ext>
-            </a:extLst>
-          </p:cNvPr>
-          <p:cNvSpPr/>
-          <p:nvPr/>
-        </p:nvSpPr>
-        <p:spPr>
-          <a:xfrm rot="15756317">
-            <a:off x="4865462" y="1875065"/>
-            <a:ext cx="1222412" cy="2775815"/>
-          </a:xfrm>
-          <a:prstGeom prst="triangle">
-            <a:avLst>
-              <a:gd name="adj" fmla="val 49194"/>
-            </a:avLst>
-          </a:prstGeom>
-          <a:gradFill flip="none" rotWithShape="1">
-            <a:gsLst>
-              <a:gs pos="0">
-                <a:schemeClr val="accent3">
-                  <a:lumMod val="0"/>
-                  <a:lumOff val="100000"/>
-                  <a:alpha val="72000"/>
-                </a:schemeClr>
-              </a:gs>
-              <a:gs pos="50000">
-                <a:srgbClr val="D2D2D2"/>
-              </a:gs>
-              <a:gs pos="100000">
-                <a:schemeClr val="accent3">
-                  <a:lumMod val="100000"/>
-                </a:schemeClr>
-              </a:gs>
-            </a:gsLst>
-            <a:lin ang="16200000" scaled="0"/>
-            <a:tileRect/>
-          </a:gradFill>
-          <a:ln>
-            <a:noFill/>
-          </a:ln>
-        </p:spPr>
-        <p:style>
-          <a:lnRef idx="2">
-            <a:schemeClr val="accent1">
-              <a:shade val="50000"/>
-            </a:schemeClr>
-          </a:lnRef>
-          <a:fillRef idx="1">
-            <a:schemeClr val="accent1"/>
-          </a:fillRef>
-          <a:effectRef idx="0">
-            <a:schemeClr val="accent1"/>
-          </a:effectRef>
-          <a:fontRef idx="minor">
-            <a:schemeClr val="lt1"/>
-          </a:fontRef>
-        </p:style>
-        <p:txBody>
-          <a:bodyPr rtlCol="0" anchor="ctr"/>
-          <a:lstStyle/>
-          <a:p>
-            <a:pPr algn="ctr" defTabSz="514350"/>
-            <a:endParaRPr lang="en-US" sz="1013">
-              <a:solidFill>
-                <a:prstClr val="white"/>
-              </a:solidFill>
-              <a:latin typeface="Arial"/>
-            </a:endParaRPr>
-          </a:p>
-        </p:txBody>
-      </p:sp>
-      <p:pic>
-        <p:nvPicPr>
-          <p:cNvPr id="5" name="Picture 4">
-            <a:extLst>
-              <a:ext uri="{FF2B5EF4-FFF2-40B4-BE49-F238E27FC236}">
-                <a16:creationId xmlns:a16="http://schemas.microsoft.com/office/drawing/2014/main" id="{D26EB7A8-837C-491A-BD92-C9B1A76D7F6B}"/>
-              </a:ext>
-            </a:extLst>
-          </p:cNvPr>
-          <p:cNvPicPr>
-            <a:picLocks noChangeAspect="1"/>
-          </p:cNvPicPr>
-          <p:nvPr/>
-        </p:nvPicPr>
-        <p:blipFill rotWithShape="1">
-          <a:blip r:embed="rId3"/>
-          <a:srcRect l="50157" r="245"/>
-          <a:stretch/>
-        </p:blipFill>
-        <p:spPr>
-          <a:xfrm>
-            <a:off x="6702320" y="4165645"/>
-            <a:ext cx="2404136" cy="2132403"/>
-          </a:xfrm>
-          <a:prstGeom prst="rect">
-            <a:avLst/>
-          </a:prstGeom>
-        </p:spPr>
-      </p:pic>
-    </p:spTree>
-    <p:extLst>
-      <p:ext uri="{BB962C8B-B14F-4D97-AF65-F5344CB8AC3E}">
-        <p14:creationId xmlns:p14="http://schemas.microsoft.com/office/powerpoint/2010/main" val="2939751737"/>
-      </p:ext>
-    </p:extLst>
-  </p:cSld>
-  <p:clrMapOvr>
-    <a:masterClrMapping/>
-  </p:clrMapOvr>
-  <p:timing>
-    <p:tnLst>
-      <p:par>
-        <p:cTn id="1" dur="indefinite" restart="never" nodeType="tmRoot">
-          <p:childTnLst>
-            <p:seq concurrent="1" nextAc="seek">
-              <p:cTn id="2" dur="indefinite" nodeType="mainSeq">
-                <p:childTnLst>
-                  <p:par>
-                    <p:cTn id="3" fill="hold">
-                      <p:stCondLst>
-                        <p:cond delay="indefinite"/>
-                      </p:stCondLst>
-                      <p:childTnLst>
-                        <p:par>
-                          <p:cTn id="4" fill="hold">
-                            <p:stCondLst>
-                              <p:cond delay="0"/>
-                            </p:stCondLst>
-                            <p:childTnLst>
-                              <p:par>
-                                <p:cTn id="5" presetID="1" presetClass="entr" presetSubtype="0" fill="hold" grpId="0" nodeType="clickEffect">
-                                  <p:stCondLst>
-                                    <p:cond delay="0"/>
-                                  </p:stCondLst>
-                                  <p:childTnLst>
-                                    <p:set>
-                                      <p:cBhvr>
-                                        <p:cTn id="6" dur="1" fill="hold">
-                                          <p:stCondLst>
-                                            <p:cond delay="0"/>
-                                          </p:stCondLst>
-                                        </p:cTn>
-                                        <p:tgtEl>
-                                          <p:spTgt spid="9"/>
-                                        </p:tgtEl>
-                                        <p:attrNameLst>
-                                          <p:attrName>style.visibility</p:attrName>
-                                        </p:attrNameLst>
-                                      </p:cBhvr>
-                                      <p:to>
-                                        <p:strVal val="visible"/>
-                                      </p:to>
-                                    </p:set>
-                                  </p:childTnLst>
-                                </p:cTn>
-                              </p:par>
-                              <p:par>
-                                <p:cTn id="7" presetID="1" presetClass="entr" presetSubtype="0" fill="hold" nodeType="withEffect">
-                                  <p:stCondLst>
-                                    <p:cond delay="0"/>
-                                  </p:stCondLst>
-                                  <p:childTnLst>
-                                    <p:set>
-                                      <p:cBhvr>
-                                        <p:cTn id="8" dur="1" fill="hold">
-                                          <p:stCondLst>
-                                            <p:cond delay="0"/>
-                                          </p:stCondLst>
-                                        </p:cTn>
-                                        <p:tgtEl>
-                                          <p:spTgt spid="8"/>
-                                        </p:tgtEl>
-                                        <p:attrNameLst>
-                                          <p:attrName>style.visibility</p:attrName>
-                                        </p:attrNameLst>
-                                      </p:cBhvr>
-                                      <p:to>
-                                        <p:strVal val="visible"/>
-                                      </p:to>
-                                    </p:set>
-                                  </p:childTnLst>
-                                </p:cTn>
-                              </p:par>
-                            </p:childTnLst>
-                          </p:cTn>
-                        </p:par>
-                      </p:childTnLst>
-                    </p:cTn>
-                  </p:par>
-                  <p:par>
-                    <p:cTn id="9" fill="hold">
-                      <p:stCondLst>
-                        <p:cond delay="indefinite"/>
-                      </p:stCondLst>
-                      <p:childTnLst>
-                        <p:par>
-                          <p:cTn id="10" fill="hold">
-                            <p:stCondLst>
-                              <p:cond delay="0"/>
-                            </p:stCondLst>
-                            <p:childTnLst>
-                              <p:par>
-                                <p:cTn id="11" presetID="1" presetClass="entr" presetSubtype="0" fill="hold" grpId="0" nodeType="clickEffect">
-                                  <p:stCondLst>
-                                    <p:cond delay="0"/>
-                                  </p:stCondLst>
-                                  <p:childTnLst>
-                                    <p:set>
-                                      <p:cBhvr>
-                                        <p:cTn id="12" dur="1" fill="hold">
-                                          <p:stCondLst>
-                                            <p:cond delay="0"/>
-                                          </p:stCondLst>
-                                        </p:cTn>
-                                        <p:tgtEl>
-                                          <p:spTgt spid="7"/>
-                                        </p:tgtEl>
-                                        <p:attrNameLst>
-                                          <p:attrName>style.visibility</p:attrName>
-                                        </p:attrNameLst>
-                                      </p:cBhvr>
-                                      <p:to>
-                                        <p:strVal val="visible"/>
-                                      </p:to>
-                                    </p:set>
-                                  </p:childTnLst>
-                                </p:cTn>
-                              </p:par>
-                              <p:par>
-                                <p:cTn id="13" presetID="1" presetClass="entr" presetSubtype="0" fill="hold" nodeType="withEffect">
-                                  <p:stCondLst>
-                                    <p:cond delay="0"/>
-                                  </p:stCondLst>
-                                  <p:childTnLst>
-                                    <p:set>
-                                      <p:cBhvr>
-                                        <p:cTn id="14" dur="1" fill="hold">
-                                          <p:stCondLst>
-                                            <p:cond delay="0"/>
-                                          </p:stCondLst>
-                                        </p:cTn>
-                                        <p:tgtEl>
-                                          <p:spTgt spid="5"/>
-                                        </p:tgtEl>
-                                        <p:attrNameLst>
-                                          <p:attrName>style.visibility</p:attrName>
-                                        </p:attrNameLst>
-                                      </p:cBhvr>
-                                      <p:to>
-                                        <p:strVal val="visible"/>
-                                      </p:to>
-                                    </p:set>
-                                  </p:childTnLst>
-                                </p:cTn>
-                              </p:par>
-                            </p:childTnLst>
-                          </p:cTn>
-                        </p:par>
-                      </p:childTnLst>
-                    </p:cTn>
-                  </p:par>
-                </p:childTnLst>
-              </p:cTn>
-              <p:prevCondLst>
-                <p:cond evt="onPrev" delay="0">
-                  <p:tgtEl>
-                    <p:sldTgt/>
-                  </p:tgtEl>
-                </p:cond>
-              </p:prevCondLst>
-              <p:nextCondLst>
-                <p:cond evt="onNext" delay="0">
-                  <p:tgtEl>
-                    <p:sldTgt/>
-                  </p:tgtEl>
-                </p:cond>
-              </p:nextCondLst>
-            </p:seq>
-          </p:childTnLst>
-        </p:cTn>
-      </p:par>
-    </p:tnLst>
-    <p:bldLst>
-      <p:bldP spid="7" grpId="0" animBg="1"/>
-      <p:bldP spid="9" grpId="0" animBg="1"/>
-    </p:bldLst>
-  </p:timing>
-</p:sld>
-</file>
-
-<file path=ppt/slides/slide8.xml><?xml version="1.0" encoding="utf-8"?>
-<p:sld xmlns:a="http://schemas.openxmlformats.org/drawingml/2006/main" xmlns:r="http://schemas.openxmlformats.org/officeDocument/2006/relationships" xmlns:p="http://schemas.openxmlformats.org/presentationml/2006/main">
-  <p:cSld>
-    <p:spTree>
-      <p:nvGrpSpPr>
-        <p:cNvPr id="1" name=""/>
-        <p:cNvGrpSpPr/>
-        <p:nvPr/>
-      </p:nvGrpSpPr>
-      <p:grpSpPr>
-        <a:xfrm>
-          <a:off x="0" y="0"/>
-          <a:ext cx="0" cy="0"/>
-          <a:chOff x="0" y="0"/>
-          <a:chExt cx="0" cy="0"/>
-        </a:xfrm>
-      </p:grpSpPr>
-      <p:sp>
-        <p:nvSpPr>
-          <p:cNvPr id="2" name="Title 1">
-            <a:extLst>
-              <a:ext uri="{FF2B5EF4-FFF2-40B4-BE49-F238E27FC236}">
-                <a16:creationId xmlns:a16="http://schemas.microsoft.com/office/drawing/2014/main" id="{D65CF3B6-F037-4A89-BB21-476CBEBAF3DC}"/>
-              </a:ext>
-            </a:extLst>
-          </p:cNvPr>
-          <p:cNvSpPr>
-            <a:spLocks noGrp="1"/>
-          </p:cNvSpPr>
-          <p:nvPr>
-            <p:ph type="title"/>
-          </p:nvPr>
-        </p:nvSpPr>
-        <p:spPr/>
-        <p:txBody>
-          <a:bodyPr/>
-          <a:lstStyle/>
-          <a:p>
-            <a:r>
-              <a:rPr lang="en-US" dirty="0"/>
-              <a:t>Between Batch/Platform/Lab Signal Calibration</a:t>
-            </a:r>
-          </a:p>
-        </p:txBody>
-      </p:sp>
-      <p:sp>
-        <p:nvSpPr>
-          <p:cNvPr id="3" name="Content Placeholder 2">
-            <a:extLst>
-              <a:ext uri="{FF2B5EF4-FFF2-40B4-BE49-F238E27FC236}">
-                <a16:creationId xmlns:a16="http://schemas.microsoft.com/office/drawing/2014/main" id="{A3C894A3-7543-4481-8086-71E36F568369}"/>
-              </a:ext>
-            </a:extLst>
-          </p:cNvPr>
-          <p:cNvSpPr>
-            <a:spLocks noGrp="1"/>
-          </p:cNvSpPr>
-          <p:nvPr>
-            <p:ph sz="quarter" idx="1"/>
-          </p:nvPr>
-        </p:nvSpPr>
-        <p:spPr>
-          <a:xfrm>
-            <a:off x="741948" y="2226678"/>
-            <a:ext cx="10515600" cy="4351338"/>
-          </a:xfrm>
-        </p:spPr>
-        <p:txBody>
-          <a:bodyPr>
-            <a:normAutofit/>
-          </a:bodyPr>
-          <a:lstStyle/>
-          <a:p>
-            <a:pPr marL="0" indent="0">
-              <a:buNone/>
-            </a:pPr>
-            <a:r>
-              <a:rPr lang="en-US" sz="3200" dirty="0"/>
-              <a:t>Purpose of signal calibration</a:t>
-            </a:r>
-          </a:p>
-          <a:p>
-            <a:r>
-              <a:rPr lang="en-US" sz="3200" dirty="0"/>
-              <a:t>Placing signal on the same scale</a:t>
-            </a:r>
-          </a:p>
-          <a:p>
-            <a:r>
-              <a:rPr lang="en-US" sz="3200" dirty="0"/>
-              <a:t>Often the scale is arbitrary</a:t>
-            </a:r>
-          </a:p>
-          <a:p>
-            <a:pPr lvl="1"/>
-            <a:r>
-              <a:rPr lang="en-US" dirty="0"/>
-              <a:t>Kilogram = mass of a liter of water at freezing point</a:t>
-            </a:r>
-          </a:p>
-          <a:p>
-            <a:pPr lvl="1"/>
-            <a:r>
-              <a:rPr lang="en-US" dirty="0"/>
-              <a:t>Meter = 1/10,000,000 the distance from the equator to the north pole</a:t>
-            </a:r>
-          </a:p>
-          <a:p>
-            <a:pPr lvl="1"/>
-            <a:r>
-              <a:rPr lang="en-US" dirty="0"/>
-              <a:t>Pee dee </a:t>
-            </a:r>
-            <a:r>
-              <a:rPr lang="en-US" dirty="0" err="1"/>
-              <a:t>belomnite</a:t>
-            </a:r>
-            <a:r>
-              <a:rPr lang="en-US" dirty="0"/>
-              <a:t> (PDB) = reference for 13C, fossil found in </a:t>
-            </a:r>
-            <a:r>
-              <a:rPr lang="en-US" dirty="0" err="1"/>
-              <a:t>Peedee</a:t>
-            </a:r>
-            <a:r>
-              <a:rPr lang="en-US" dirty="0"/>
-              <a:t> Formation in South Carolina</a:t>
-            </a:r>
-          </a:p>
-          <a:p>
-            <a:pPr lvl="1"/>
-            <a:r>
-              <a:rPr lang="en-US" dirty="0"/>
-              <a:t>Standard mean ocean water (SMOW) = reference for 18O, arbitrary mix of distilled water from different regions of the world.</a:t>
-            </a:r>
-          </a:p>
-        </p:txBody>
-      </p:sp>
-      <p:pic>
-        <p:nvPicPr>
-          <p:cNvPr id="8194" name="Picture 2" descr="https://lh6.googleusercontent.com/uzrDORsqXVybHYJxiKB6ig0jTsWNOe5x5HzDJBruAXVUysJNi--YxJGDSsVs3Ady_nGmWLOYirxVSbjRkk3CYnugQqnboiKAoei7VlE1DVAmO0fORW4lQODKwZ67J6TwKwMySMzw">
-            <a:extLst>
-              <a:ext uri="{FF2B5EF4-FFF2-40B4-BE49-F238E27FC236}">
-                <a16:creationId xmlns:a16="http://schemas.microsoft.com/office/drawing/2014/main" id="{6E715778-0D62-4189-875E-095DA3F43B74}"/>
-              </a:ext>
-            </a:extLst>
-          </p:cNvPr>
-          <p:cNvPicPr>
-            <a:picLocks noChangeAspect="1" noChangeArrowheads="1"/>
-          </p:cNvPicPr>
-          <p:nvPr/>
-        </p:nvPicPr>
-        <p:blipFill>
-          <a:blip r:embed="rId2">
-            <a:extLst>
-              <a:ext uri="{28A0092B-C50C-407E-A947-70E740481C1C}">
-                <a14:useLocalDpi xmlns:a14="http://schemas.microsoft.com/office/drawing/2010/main" val="0"/>
-              </a:ext>
-            </a:extLst>
-          </a:blip>
-          <a:srcRect/>
-          <a:stretch>
-            <a:fillRect/>
-          </a:stretch>
-        </p:blipFill>
-        <p:spPr bwMode="auto">
-          <a:xfrm>
-            <a:off x="2181727" y="2579575"/>
-            <a:ext cx="7648845" cy="3187018"/>
-          </a:xfrm>
-          <a:prstGeom prst="rect">
-            <a:avLst/>
-          </a:prstGeom>
-          <a:noFill/>
-          <a:ln>
-            <a:solidFill>
-              <a:schemeClr val="tx1"/>
-            </a:solidFill>
-          </a:ln>
-          <a:effectLst>
-            <a:outerShdw blurRad="50800" dist="38100" dir="2700000" algn="tl" rotWithShape="0">
-              <a:prstClr val="black">
-                <a:alpha val="40000"/>
-              </a:prstClr>
-            </a:outerShdw>
-          </a:effectLst>
-          <a:extLst>
-            <a:ext uri="{909E8E84-426E-40DD-AFC4-6F175D3DCCD1}">
-              <a14:hiddenFill xmlns:a14="http://schemas.microsoft.com/office/drawing/2010/main">
-                <a:solidFill>
-                  <a:srgbClr val="FFFFFF"/>
-                </a:solidFill>
-              </a14:hiddenFill>
-            </a:ext>
-          </a:extLst>
-        </p:spPr>
-      </p:pic>
-    </p:spTree>
-    <p:extLst>
-      <p:ext uri="{BB962C8B-B14F-4D97-AF65-F5344CB8AC3E}">
-        <p14:creationId xmlns:p14="http://schemas.microsoft.com/office/powerpoint/2010/main" val="1990223645"/>
-      </p:ext>
-    </p:extLst>
-  </p:cSld>
-  <p:clrMapOvr>
-    <a:masterClrMapping/>
-  </p:clrMapOvr>
-  <p:timing>
-    <p:tnLst>
-      <p:par>
-        <p:cTn id="1" dur="indefinite" restart="never" nodeType="tmRoot">
-          <p:childTnLst>
-            <p:seq concurrent="1" nextAc="seek">
-              <p:cTn id="2" dur="indefinite" nodeType="mainSeq">
-                <p:childTnLst>
-                  <p:par>
-                    <p:cTn id="3" fill="hold">
-                      <p:stCondLst>
-                        <p:cond delay="indefinite"/>
-                      </p:stCondLst>
-                      <p:childTnLst>
-                        <p:par>
-                          <p:cTn id="4" fill="hold">
-                            <p:stCondLst>
-                              <p:cond delay="0"/>
-                            </p:stCondLst>
-                            <p:childTnLst>
-                              <p:par>
-                                <p:cTn id="5" presetID="1" presetClass="entr" presetSubtype="0" fill="hold" nodeType="clickEffect">
-                                  <p:stCondLst>
-                                    <p:cond delay="0"/>
-                                  </p:stCondLst>
-                                  <p:childTnLst>
-                                    <p:set>
-                                      <p:cBhvr>
-                                        <p:cTn id="6" dur="1" fill="hold">
-                                          <p:stCondLst>
-                                            <p:cond delay="0"/>
-                                          </p:stCondLst>
-                                        </p:cTn>
-                                        <p:tgtEl>
-                                          <p:spTgt spid="8194"/>
-                                        </p:tgtEl>
-                                        <p:attrNameLst>
-                                          <p:attrName>style.visibility</p:attrName>
-                                        </p:attrNameLst>
-                                      </p:cBhvr>
-                                      <p:to>
-                                        <p:strVal val="visible"/>
-                                      </p:to>
-                                    </p:set>
-                                  </p:childTnLst>
-                                </p:cTn>
-                              </p:par>
-                            </p:childTnLst>
-                          </p:cTn>
-                        </p:par>
-                      </p:childTnLst>
-                    </p:cTn>
-                  </p:par>
-                </p:childTnLst>
-              </p:cTn>
-              <p:prevCondLst>
-                <p:cond evt="onPrev" delay="0">
-                  <p:tgtEl>
-                    <p:sldTgt/>
-                  </p:tgtEl>
-                </p:cond>
-              </p:prevCondLst>
-              <p:nextCondLst>
-                <p:cond evt="onNext" delay="0">
-                  <p:tgtEl>
-                    <p:sldTgt/>
-                  </p:tgtEl>
-                </p:cond>
-              </p:nextCondLst>
-            </p:seq>
-          </p:childTnLst>
-        </p:cTn>
-      </p:par>
-    </p:tnLst>
-  </p:timing>
-</p:sld>
-</file>
-
-<file path=ppt/slides/slide9.xml><?xml version="1.0" encoding="utf-8"?>
-<p:sld xmlns:a="http://schemas.openxmlformats.org/drawingml/2006/main" xmlns:r="http://schemas.openxmlformats.org/officeDocument/2006/relationships" xmlns:p="http://schemas.openxmlformats.org/presentationml/2006/main">
-  <p:cSld>
-    <p:spTree>
-      <p:nvGrpSpPr>
-        <p:cNvPr id="1" name=""/>
-        <p:cNvGrpSpPr/>
-        <p:nvPr/>
-      </p:nvGrpSpPr>
-      <p:grpSpPr>
-        <a:xfrm>
-          <a:off x="0" y="0"/>
-          <a:ext cx="0" cy="0"/>
-          <a:chOff x="0" y="0"/>
-          <a:chExt cx="0" cy="0"/>
-        </a:xfrm>
-      </p:grpSpPr>
-      <p:sp>
-        <p:nvSpPr>
-          <p:cNvPr id="4" name="Title 3">
-            <a:extLst>
-              <a:ext uri="{FF2B5EF4-FFF2-40B4-BE49-F238E27FC236}">
-                <a16:creationId xmlns:a16="http://schemas.microsoft.com/office/drawing/2014/main" id="{7EC5F5C7-84F7-4C09-8906-BDCA2B3E0805}"/>
-              </a:ext>
-            </a:extLst>
-          </p:cNvPr>
-          <p:cNvSpPr>
-            <a:spLocks noGrp="1"/>
-          </p:cNvSpPr>
-          <p:nvPr>
-            <p:ph type="title"/>
-          </p:nvPr>
-        </p:nvSpPr>
-        <p:spPr>
-          <a:xfrm>
-            <a:off x="838200" y="184150"/>
-            <a:ext cx="10515600" cy="1325563"/>
-          </a:xfrm>
-        </p:spPr>
-        <p:txBody>
-          <a:bodyPr/>
-          <a:lstStyle/>
-          <a:p>
-            <a:r>
-              <a:rPr lang="en-US" dirty="0"/>
-              <a:t>What you calibrate against is important</a:t>
-            </a:r>
-          </a:p>
-        </p:txBody>
-      </p:sp>
-    </p:spTree>
-    <p:extLst>
-      <p:ext uri="{BB962C8B-B14F-4D97-AF65-F5344CB8AC3E}">
-        <p14:creationId xmlns:p14="http://schemas.microsoft.com/office/powerpoint/2010/main" val="3732676220"/>
       </p:ext>
     </p:extLst>
   </p:cSld>

--- a/lectures/3.Quant101.Calibration.pptx
+++ b/lectures/3.Quant101.Calibration.pptx
@@ -5,25 +5,27 @@
     <p:sldMasterId id="2147483648" r:id="rId1"/>
   </p:sldMasterIdLst>
   <p:notesMasterIdLst>
-    <p:notesMasterId r:id="rId18"/>
+    <p:notesMasterId r:id="rId20"/>
   </p:notesMasterIdLst>
   <p:sldIdLst>
     <p:sldId id="443" r:id="rId2"/>
-    <p:sldId id="445" r:id="rId3"/>
+    <p:sldId id="444" r:id="rId3"/>
     <p:sldId id="442" r:id="rId4"/>
-    <p:sldId id="444" r:id="rId5"/>
-    <p:sldId id="438" r:id="rId6"/>
-    <p:sldId id="428" r:id="rId7"/>
-    <p:sldId id="436" r:id="rId8"/>
-    <p:sldId id="370" r:id="rId9"/>
-    <p:sldId id="371" r:id="rId10"/>
-    <p:sldId id="434" r:id="rId11"/>
-    <p:sldId id="437" r:id="rId12"/>
-    <p:sldId id="435" r:id="rId13"/>
-    <p:sldId id="441" r:id="rId14"/>
-    <p:sldId id="440" r:id="rId15"/>
-    <p:sldId id="439" r:id="rId16"/>
-    <p:sldId id="446" r:id="rId17"/>
+    <p:sldId id="445" r:id="rId5"/>
+    <p:sldId id="428" r:id="rId6"/>
+    <p:sldId id="436" r:id="rId7"/>
+    <p:sldId id="370" r:id="rId8"/>
+    <p:sldId id="371" r:id="rId9"/>
+    <p:sldId id="434" r:id="rId10"/>
+    <p:sldId id="437" r:id="rId11"/>
+    <p:sldId id="435" r:id="rId12"/>
+    <p:sldId id="441" r:id="rId13"/>
+    <p:sldId id="440" r:id="rId14"/>
+    <p:sldId id="439" r:id="rId15"/>
+    <p:sldId id="446" r:id="rId16"/>
+    <p:sldId id="449" r:id="rId17"/>
+    <p:sldId id="447" r:id="rId18"/>
+    <p:sldId id="448" r:id="rId19"/>
   </p:sldIdLst>
   <p:sldSz cx="12192000" cy="6858000"/>
   <p:notesSz cx="6858000" cy="9144000"/>
@@ -143,7 +145,7 @@
   <pc:docChgLst>
     <pc:chgData name="Michael MacCoss" userId="afbd1c96-5255-4d89-b6b4-1a00a15797b0" providerId="ADAL" clId="{8C2A4DBF-4837-4E42-9D29-F5E7A0D39B2F}"/>
     <pc:docChg chg="undo redo custSel addSld delSld modSld sldOrd">
-      <pc:chgData name="Michael MacCoss" userId="afbd1c96-5255-4d89-b6b4-1a00a15797b0" providerId="ADAL" clId="{8C2A4DBF-4837-4E42-9D29-F5E7A0D39B2F}" dt="2022-04-04T05:32:49.088" v="857" actId="20577"/>
+      <pc:chgData name="Michael MacCoss" userId="afbd1c96-5255-4d89-b6b4-1a00a15797b0" providerId="ADAL" clId="{8C2A4DBF-4837-4E42-9D29-F5E7A0D39B2F}" dt="2022-04-04T05:54:08.642" v="1254" actId="403"/>
       <pc:docMkLst>
         <pc:docMk/>
       </pc:docMkLst>
@@ -442,8 +444,8 @@
           <pc:sldMk cId="3129783233" sldId="437"/>
         </pc:sldMkLst>
       </pc:sldChg>
-      <pc:sldChg chg="addSp delSp modSp new mod modClrScheme chgLayout">
-        <pc:chgData name="Michael MacCoss" userId="afbd1c96-5255-4d89-b6b4-1a00a15797b0" providerId="ADAL" clId="{8C2A4DBF-4837-4E42-9D29-F5E7A0D39B2F}" dt="2022-04-04T03:19:41.373" v="149" actId="20577"/>
+      <pc:sldChg chg="addSp delSp modSp new del mod ord modClrScheme chgLayout">
+        <pc:chgData name="Michael MacCoss" userId="afbd1c96-5255-4d89-b6b4-1a00a15797b0" providerId="ADAL" clId="{8C2A4DBF-4837-4E42-9D29-F5E7A0D39B2F}" dt="2022-04-04T05:43:26.478" v="866" actId="47"/>
         <pc:sldMkLst>
           <pc:docMk/>
           <pc:sldMk cId="3182592164" sldId="438"/>
@@ -590,8 +592,8 @@
           </ac:spMkLst>
         </pc:spChg>
       </pc:sldChg>
-      <pc:sldChg chg="addSp delSp modSp new mod modClrScheme chgLayout">
-        <pc:chgData name="Michael MacCoss" userId="afbd1c96-5255-4d89-b6b4-1a00a15797b0" providerId="ADAL" clId="{8C2A4DBF-4837-4E42-9D29-F5E7A0D39B2F}" dt="2022-04-04T05:11:28.373" v="525" actId="700"/>
+      <pc:sldChg chg="addSp delSp modSp new mod ord modClrScheme chgLayout">
+        <pc:chgData name="Michael MacCoss" userId="afbd1c96-5255-4d89-b6b4-1a00a15797b0" providerId="ADAL" clId="{8C2A4DBF-4837-4E42-9D29-F5E7A0D39B2F}" dt="2022-04-04T05:41:21.473" v="861"/>
         <pc:sldMkLst>
           <pc:docMk/>
           <pc:sldMk cId="3481787298" sldId="442"/>
@@ -660,8 +662,8 @@
           </ac:spMkLst>
         </pc:spChg>
       </pc:sldChg>
-      <pc:sldChg chg="addSp new mod">
-        <pc:chgData name="Michael MacCoss" userId="afbd1c96-5255-4d89-b6b4-1a00a15797b0" providerId="ADAL" clId="{8C2A4DBF-4837-4E42-9D29-F5E7A0D39B2F}" dt="2022-04-04T05:15:19.588" v="594" actId="22"/>
+      <pc:sldChg chg="addSp new mod ord">
+        <pc:chgData name="Michael MacCoss" userId="afbd1c96-5255-4d89-b6b4-1a00a15797b0" providerId="ADAL" clId="{8C2A4DBF-4837-4E42-9D29-F5E7A0D39B2F}" dt="2022-04-04T05:36:32.868" v="859"/>
         <pc:sldMkLst>
           <pc:docMk/>
           <pc:sldMk cId="285504554" sldId="444"/>
@@ -710,6 +712,83 @@
             <pc:docMk/>
             <pc:sldMk cId="4176164375" sldId="446"/>
             <ac:spMk id="2" creationId="{61C7101A-8719-4648-A1AA-6B9F6B55BDB9}"/>
+          </ac:spMkLst>
+        </pc:spChg>
+      </pc:sldChg>
+      <pc:sldChg chg="addSp modSp new mod modClrScheme chgLayout">
+        <pc:chgData name="Michael MacCoss" userId="afbd1c96-5255-4d89-b6b4-1a00a15797b0" providerId="ADAL" clId="{8C2A4DBF-4837-4E42-9D29-F5E7A0D39B2F}" dt="2022-04-04T05:49:30.791" v="944" actId="14100"/>
+        <pc:sldMkLst>
+          <pc:docMk/>
+          <pc:sldMk cId="800569750" sldId="447"/>
+        </pc:sldMkLst>
+        <pc:spChg chg="mod ord">
+          <ac:chgData name="Michael MacCoss" userId="afbd1c96-5255-4d89-b6b4-1a00a15797b0" providerId="ADAL" clId="{8C2A4DBF-4837-4E42-9D29-F5E7A0D39B2F}" dt="2022-04-04T05:48:44.498" v="886" actId="700"/>
+          <ac:spMkLst>
+            <pc:docMk/>
+            <pc:sldMk cId="800569750" sldId="447"/>
+            <ac:spMk id="2" creationId="{B6A4A564-7715-4FE7-B309-2D5341EE8E18}"/>
+          </ac:spMkLst>
+        </pc:spChg>
+        <pc:spChg chg="add mod ord">
+          <ac:chgData name="Michael MacCoss" userId="afbd1c96-5255-4d89-b6b4-1a00a15797b0" providerId="ADAL" clId="{8C2A4DBF-4837-4E42-9D29-F5E7A0D39B2F}" dt="2022-04-04T05:49:30.791" v="944" actId="14100"/>
+          <ac:spMkLst>
+            <pc:docMk/>
+            <pc:sldMk cId="800569750" sldId="447"/>
+            <ac:spMk id="3" creationId="{7607F855-9ED2-4159-9E42-374F88A7C0C2}"/>
+          </ac:spMkLst>
+        </pc:spChg>
+        <pc:picChg chg="add mod">
+          <ac:chgData name="Michael MacCoss" userId="afbd1c96-5255-4d89-b6b4-1a00a15797b0" providerId="ADAL" clId="{8C2A4DBF-4837-4E42-9D29-F5E7A0D39B2F}" dt="2022-04-04T05:49:19.176" v="941" actId="1076"/>
+          <ac:picMkLst>
+            <pc:docMk/>
+            <pc:sldMk cId="800569750" sldId="447"/>
+            <ac:picMk id="5" creationId="{EB055F03-EA78-4C3C-8D64-DFC883B85E53}"/>
+          </ac:picMkLst>
+        </pc:picChg>
+      </pc:sldChg>
+      <pc:sldChg chg="modSp new mod">
+        <pc:chgData name="Michael MacCoss" userId="afbd1c96-5255-4d89-b6b4-1a00a15797b0" providerId="ADAL" clId="{8C2A4DBF-4837-4E42-9D29-F5E7A0D39B2F}" dt="2022-04-04T05:50:26.320" v="1090" actId="20577"/>
+        <pc:sldMkLst>
+          <pc:docMk/>
+          <pc:sldMk cId="4089178197" sldId="448"/>
+        </pc:sldMkLst>
+        <pc:spChg chg="mod">
+          <ac:chgData name="Michael MacCoss" userId="afbd1c96-5255-4d89-b6b4-1a00a15797b0" providerId="ADAL" clId="{8C2A4DBF-4837-4E42-9D29-F5E7A0D39B2F}" dt="2022-04-04T05:49:52.480" v="982" actId="20577"/>
+          <ac:spMkLst>
+            <pc:docMk/>
+            <pc:sldMk cId="4089178197" sldId="448"/>
+            <ac:spMk id="2" creationId="{DE1B09B6-92F8-4FDC-ACB2-845AD3FE227C}"/>
+          </ac:spMkLst>
+        </pc:spChg>
+        <pc:spChg chg="mod">
+          <ac:chgData name="Michael MacCoss" userId="afbd1c96-5255-4d89-b6b4-1a00a15797b0" providerId="ADAL" clId="{8C2A4DBF-4837-4E42-9D29-F5E7A0D39B2F}" dt="2022-04-04T05:50:26.320" v="1090" actId="20577"/>
+          <ac:spMkLst>
+            <pc:docMk/>
+            <pc:sldMk cId="4089178197" sldId="448"/>
+            <ac:spMk id="3" creationId="{5F6446BE-6C49-45C0-906F-154D9E780EEE}"/>
+          </ac:spMkLst>
+        </pc:spChg>
+      </pc:sldChg>
+      <pc:sldChg chg="modSp new mod">
+        <pc:chgData name="Michael MacCoss" userId="afbd1c96-5255-4d89-b6b4-1a00a15797b0" providerId="ADAL" clId="{8C2A4DBF-4837-4E42-9D29-F5E7A0D39B2F}" dt="2022-04-04T05:54:08.642" v="1254" actId="403"/>
+        <pc:sldMkLst>
+          <pc:docMk/>
+          <pc:sldMk cId="1277686066" sldId="449"/>
+        </pc:sldMkLst>
+        <pc:spChg chg="mod">
+          <ac:chgData name="Michael MacCoss" userId="afbd1c96-5255-4d89-b6b4-1a00a15797b0" providerId="ADAL" clId="{8C2A4DBF-4837-4E42-9D29-F5E7A0D39B2F}" dt="2022-04-04T05:52:13.497" v="1132" actId="20577"/>
+          <ac:spMkLst>
+            <pc:docMk/>
+            <pc:sldMk cId="1277686066" sldId="449"/>
+            <ac:spMk id="2" creationId="{38628C28-0CA7-4E18-83AC-BEBB78E8E2F3}"/>
+          </ac:spMkLst>
+        </pc:spChg>
+        <pc:spChg chg="mod">
+          <ac:chgData name="Michael MacCoss" userId="afbd1c96-5255-4d89-b6b4-1a00a15797b0" providerId="ADAL" clId="{8C2A4DBF-4837-4E42-9D29-F5E7A0D39B2F}" dt="2022-04-04T05:54:08.642" v="1254" actId="403"/>
+          <ac:spMkLst>
+            <pc:docMk/>
+            <pc:sldMk cId="1277686066" sldId="449"/>
+            <ac:spMk id="3" creationId="{D281A4D6-DE53-4B0D-8E20-165A7A1C4913}"/>
           </ac:spMkLst>
         </pc:spChg>
       </pc:sldChg>
@@ -1184,7 +1263,7 @@
                 <a:tabLst/>
                 <a:defRPr/>
               </a:pPr>
-              <a:t>7</a:t>
+              <a:t>6</a:t>
             </a:fld>
             <a:endParaRPr kumimoji="0" lang="en-US" sz="1200" b="0" i="0" u="none" strike="noStrike" kern="1200" cap="none" spc="0" normalizeH="0" baseline="0" noProof="0">
               <a:ln>
@@ -4490,114 +4569,6 @@
       </p:grpSpPr>
       <p:sp>
         <p:nvSpPr>
-          <p:cNvPr id="21506" name="Title 6"/>
-          <p:cNvSpPr>
-            <a:spLocks noGrp="1"/>
-          </p:cNvSpPr>
-          <p:nvPr>
-            <p:ph type="title"/>
-          </p:nvPr>
-        </p:nvSpPr>
-        <p:spPr/>
-        <p:txBody>
-          <a:bodyPr/>
-          <a:lstStyle/>
-          <a:p>
-            <a:r>
-              <a:rPr lang="en-US"/>
-              <a:t>Quantitative Analysis 101</a:t>
-            </a:r>
-          </a:p>
-        </p:txBody>
-      </p:sp>
-      <p:sp>
-        <p:nvSpPr>
-          <p:cNvPr id="3" name="TextBox 2">
-            <a:extLst>
-              <a:ext uri="{FF2B5EF4-FFF2-40B4-BE49-F238E27FC236}">
-                <a16:creationId xmlns:a16="http://schemas.microsoft.com/office/drawing/2014/main" id="{8EBC2D1B-98BF-4DD0-83CD-7121C464DE77}"/>
-              </a:ext>
-            </a:extLst>
-          </p:cNvPr>
-          <p:cNvSpPr txBox="1"/>
-          <p:nvPr/>
-        </p:nvSpPr>
-        <p:spPr>
-          <a:xfrm>
-            <a:off x="1447420" y="1993232"/>
-            <a:ext cx="8653266" cy="1938992"/>
-          </a:xfrm>
-          <a:prstGeom prst="rect">
-            <a:avLst/>
-          </a:prstGeom>
-          <a:noFill/>
-        </p:spPr>
-        <p:txBody>
-          <a:bodyPr wrap="none" rtlCol="0">
-            <a:spAutoFit/>
-          </a:bodyPr>
-          <a:lstStyle/>
-          <a:p>
-            <a:pPr marL="457200" indent="-457200">
-              <a:buFont typeface="Arial" panose="020B0604020202020204" pitchFamily="34" charset="0"/>
-              <a:buChar char="•"/>
-            </a:pPr>
-            <a:r>
-              <a:rPr lang="en-US" sz="4000" dirty="0"/>
-              <a:t>What does it mean to be quantitative?</a:t>
-            </a:r>
-          </a:p>
-          <a:p>
-            <a:pPr marL="457200" indent="-457200">
-              <a:buFont typeface="Arial" panose="020B0604020202020204" pitchFamily="34" charset="0"/>
-              <a:buChar char="•"/>
-            </a:pPr>
-            <a:endParaRPr lang="en-US" sz="4000" dirty="0"/>
-          </a:p>
-          <a:p>
-            <a:pPr marL="457200" indent="-457200">
-              <a:buFont typeface="Arial" panose="020B0604020202020204" pitchFamily="34" charset="0"/>
-              <a:buChar char="•"/>
-            </a:pPr>
-            <a:r>
-              <a:rPr lang="en-US" sz="4000" dirty="0"/>
-              <a:t>What does signal calibration mean?</a:t>
-            </a:r>
-          </a:p>
-        </p:txBody>
-      </p:sp>
-    </p:spTree>
-    <p:extLst>
-      <p:ext uri="{BB962C8B-B14F-4D97-AF65-F5344CB8AC3E}">
-        <p14:creationId xmlns:p14="http://schemas.microsoft.com/office/powerpoint/2010/main" val="2254547811"/>
-      </p:ext>
-    </p:extLst>
-  </p:cSld>
-  <p:clrMapOvr>
-    <a:masterClrMapping/>
-  </p:clrMapOvr>
-</p:sld>
-</file>
-
-<file path=ppt/slides/slide11.xml><?xml version="1.0" encoding="utf-8"?>
-<p:sld xmlns:a="http://schemas.openxmlformats.org/drawingml/2006/main" xmlns:r="http://schemas.openxmlformats.org/officeDocument/2006/relationships" xmlns:p="http://schemas.openxmlformats.org/presentationml/2006/main">
-  <p:cSld>
-    <p:spTree>
-      <p:nvGrpSpPr>
-        <p:cNvPr id="1" name=""/>
-        <p:cNvGrpSpPr/>
-        <p:nvPr/>
-      </p:nvGrpSpPr>
-      <p:grpSpPr>
-        <a:xfrm>
-          <a:off x="0" y="0"/>
-          <a:ext cx="0" cy="0"/>
-          <a:chOff x="0" y="0"/>
-          <a:chExt cx="0" cy="0"/>
-        </a:xfrm>
-      </p:grpSpPr>
-      <p:sp>
-        <p:nvSpPr>
           <p:cNvPr id="2" name="Title 1">
             <a:extLst>
               <a:ext uri="{FF2B5EF4-FFF2-40B4-BE49-F238E27FC236}">
@@ -5064,7 +5035,7 @@
 </p:sld>
 </file>
 
-<file path=ppt/slides/slide12.xml><?xml version="1.0" encoding="utf-8"?>
+<file path=ppt/slides/slide11.xml><?xml version="1.0" encoding="utf-8"?>
 <p:sld xmlns:a="http://schemas.openxmlformats.org/drawingml/2006/main" xmlns:r="http://schemas.openxmlformats.org/officeDocument/2006/relationships" xmlns:p="http://schemas.openxmlformats.org/presentationml/2006/main">
   <p:cSld>
     <p:spTree>
@@ -5350,7 +5321,7 @@
 </p:sld>
 </file>
 
-<file path=ppt/slides/slide13.xml><?xml version="1.0" encoding="utf-8"?>
+<file path=ppt/slides/slide12.xml><?xml version="1.0" encoding="utf-8"?>
 <p:sld xmlns:a="http://schemas.openxmlformats.org/drawingml/2006/main" xmlns:r="http://schemas.openxmlformats.org/officeDocument/2006/relationships" xmlns:p="http://schemas.openxmlformats.org/presentationml/2006/main">
   <p:cSld>
     <p:spTree>
@@ -5413,7 +5384,7 @@
 </p:sld>
 </file>
 
-<file path=ppt/slides/slide14.xml><?xml version="1.0" encoding="utf-8"?>
+<file path=ppt/slides/slide13.xml><?xml version="1.0" encoding="utf-8"?>
 <p:sld xmlns:a="http://schemas.openxmlformats.org/drawingml/2006/main" xmlns:r="http://schemas.openxmlformats.org/officeDocument/2006/relationships" xmlns:p="http://schemas.openxmlformats.org/presentationml/2006/main">
   <p:cSld>
     <p:spTree>
@@ -5569,7 +5540,7 @@
 </p:sld>
 </file>
 
-<file path=ppt/slides/slide15.xml><?xml version="1.0" encoding="utf-8"?>
+<file path=ppt/slides/slide14.xml><?xml version="1.0" encoding="utf-8"?>
 <p:sld xmlns:a="http://schemas.openxmlformats.org/drawingml/2006/main" xmlns:r="http://schemas.openxmlformats.org/officeDocument/2006/relationships" xmlns:p="http://schemas.openxmlformats.org/presentationml/2006/main">
   <p:cSld>
     <p:spTree>
@@ -5696,6 +5667,64 @@
     <p:extLst>
       <p:ext uri="{BB962C8B-B14F-4D97-AF65-F5344CB8AC3E}">
         <p14:creationId xmlns:p14="http://schemas.microsoft.com/office/powerpoint/2010/main" val="156933342"/>
+      </p:ext>
+    </p:extLst>
+  </p:cSld>
+  <p:clrMapOvr>
+    <a:masterClrMapping/>
+  </p:clrMapOvr>
+</p:sld>
+</file>
+
+<file path=ppt/slides/slide15.xml><?xml version="1.0" encoding="utf-8"?>
+<p:sld xmlns:a="http://schemas.openxmlformats.org/drawingml/2006/main" xmlns:r="http://schemas.openxmlformats.org/officeDocument/2006/relationships" xmlns:p="http://schemas.openxmlformats.org/presentationml/2006/main">
+  <p:cSld>
+    <p:spTree>
+      <p:nvGrpSpPr>
+        <p:cNvPr id="1" name=""/>
+        <p:cNvGrpSpPr/>
+        <p:nvPr/>
+      </p:nvGrpSpPr>
+      <p:grpSpPr>
+        <a:xfrm>
+          <a:off x="0" y="0"/>
+          <a:ext cx="0" cy="0"/>
+          <a:chOff x="0" y="0"/>
+          <a:chExt cx="0" cy="0"/>
+        </a:xfrm>
+      </p:grpSpPr>
+      <p:sp>
+        <p:nvSpPr>
+          <p:cNvPr id="2" name="Title 1">
+            <a:extLst>
+              <a:ext uri="{FF2B5EF4-FFF2-40B4-BE49-F238E27FC236}">
+                <a16:creationId xmlns:a16="http://schemas.microsoft.com/office/drawing/2014/main" id="{61C7101A-8719-4648-A1AA-6B9F6B55BDB9}"/>
+              </a:ext>
+            </a:extLst>
+          </p:cNvPr>
+          <p:cNvSpPr>
+            <a:spLocks noGrp="1"/>
+          </p:cNvSpPr>
+          <p:nvPr>
+            <p:ph type="title"/>
+          </p:nvPr>
+        </p:nvSpPr>
+        <p:spPr/>
+        <p:txBody>
+          <a:bodyPr/>
+          <a:lstStyle/>
+          <a:p>
+            <a:r>
+              <a:rPr lang="en-US" dirty="0"/>
+              <a:t>What is the difference between relative and absolute quantitation?</a:t>
+            </a:r>
+          </a:p>
+        </p:txBody>
+      </p:sp>
+    </p:spTree>
+    <p:extLst>
+      <p:ext uri="{BB962C8B-B14F-4D97-AF65-F5344CB8AC3E}">
+        <p14:creationId xmlns:p14="http://schemas.microsoft.com/office/powerpoint/2010/main" val="4176164375"/>
       </p:ext>
     </p:extLst>
   </p:cSld>
@@ -5727,7 +5756,7 @@
           <p:cNvPr id="2" name="Title 1">
             <a:extLst>
               <a:ext uri="{FF2B5EF4-FFF2-40B4-BE49-F238E27FC236}">
-                <a16:creationId xmlns:a16="http://schemas.microsoft.com/office/drawing/2014/main" id="{61C7101A-8719-4648-A1AA-6B9F6B55BDB9}"/>
+                <a16:creationId xmlns:a16="http://schemas.microsoft.com/office/drawing/2014/main" id="{38628C28-0CA7-4E18-83AC-BEBB78E8E2F3}"/>
               </a:ext>
             </a:extLst>
           </p:cNvPr>
@@ -5745,7 +5774,63 @@
           <a:p>
             <a:r>
               <a:rPr lang="en-US" dirty="0"/>
-              <a:t>What is the difference between relative and absolute quantitation?</a:t>
+              <a:t>Major Quantitative Figures of Merit</a:t>
+            </a:r>
+          </a:p>
+        </p:txBody>
+      </p:sp>
+      <p:sp>
+        <p:nvSpPr>
+          <p:cNvPr id="3" name="Content Placeholder 2">
+            <a:extLst>
+              <a:ext uri="{FF2B5EF4-FFF2-40B4-BE49-F238E27FC236}">
+                <a16:creationId xmlns:a16="http://schemas.microsoft.com/office/drawing/2014/main" id="{D281A4D6-DE53-4B0D-8E20-165A7A1C4913}"/>
+              </a:ext>
+            </a:extLst>
+          </p:cNvPr>
+          <p:cNvSpPr>
+            <a:spLocks noGrp="1"/>
+          </p:cNvSpPr>
+          <p:nvPr>
+            <p:ph idx="1"/>
+          </p:nvPr>
+        </p:nvSpPr>
+        <p:spPr/>
+        <p:txBody>
+          <a:bodyPr>
+            <a:normAutofit/>
+          </a:bodyPr>
+          <a:lstStyle/>
+          <a:p>
+            <a:r>
+              <a:rPr lang="en-US" sz="3600" dirty="0"/>
+              <a:t>LOD – Limit of Detection</a:t>
+            </a:r>
+          </a:p>
+          <a:p>
+            <a:r>
+              <a:rPr lang="en-US" sz="3600" dirty="0"/>
+              <a:t>LOQ – Limit of Quantitation</a:t>
+            </a:r>
+          </a:p>
+          <a:p>
+            <a:r>
+              <a:rPr lang="en-US" sz="3600" dirty="0"/>
+              <a:t>Precision</a:t>
+            </a:r>
+          </a:p>
+          <a:p>
+            <a:pPr lvl="1"/>
+            <a:r>
+              <a:rPr lang="en-US" sz="3200" dirty="0"/>
+              <a:t>Within batch/day</a:t>
+            </a:r>
+          </a:p>
+          <a:p>
+            <a:pPr lvl="1"/>
+            <a:r>
+              <a:rPr lang="en-US" sz="3200" dirty="0"/>
+              <a:t>Between batch/day</a:t>
             </a:r>
           </a:p>
         </p:txBody>
@@ -5753,7 +5838,221 @@
     </p:spTree>
     <p:extLst>
       <p:ext uri="{BB962C8B-B14F-4D97-AF65-F5344CB8AC3E}">
-        <p14:creationId xmlns:p14="http://schemas.microsoft.com/office/powerpoint/2010/main" val="4176164375"/>
+        <p14:creationId xmlns:p14="http://schemas.microsoft.com/office/powerpoint/2010/main" val="1277686066"/>
+      </p:ext>
+    </p:extLst>
+  </p:cSld>
+  <p:clrMapOvr>
+    <a:masterClrMapping/>
+  </p:clrMapOvr>
+</p:sld>
+</file>
+
+<file path=ppt/slides/slide17.xml><?xml version="1.0" encoding="utf-8"?>
+<p:sld xmlns:a="http://schemas.openxmlformats.org/drawingml/2006/main" xmlns:r="http://schemas.openxmlformats.org/officeDocument/2006/relationships" xmlns:p="http://schemas.openxmlformats.org/presentationml/2006/main">
+  <p:cSld>
+    <p:spTree>
+      <p:nvGrpSpPr>
+        <p:cNvPr id="1" name=""/>
+        <p:cNvGrpSpPr/>
+        <p:nvPr/>
+      </p:nvGrpSpPr>
+      <p:grpSpPr>
+        <a:xfrm>
+          <a:off x="0" y="0"/>
+          <a:ext cx="0" cy="0"/>
+          <a:chOff x="0" y="0"/>
+          <a:chExt cx="0" cy="0"/>
+        </a:xfrm>
+      </p:grpSpPr>
+      <p:sp>
+        <p:nvSpPr>
+          <p:cNvPr id="2" name="Title 1">
+            <a:extLst>
+              <a:ext uri="{FF2B5EF4-FFF2-40B4-BE49-F238E27FC236}">
+                <a16:creationId xmlns:a16="http://schemas.microsoft.com/office/drawing/2014/main" id="{B6A4A564-7715-4FE7-B309-2D5341EE8E18}"/>
+              </a:ext>
+            </a:extLst>
+          </p:cNvPr>
+          <p:cNvSpPr>
+            <a:spLocks noGrp="1"/>
+          </p:cNvSpPr>
+          <p:nvPr>
+            <p:ph type="title"/>
+          </p:nvPr>
+        </p:nvSpPr>
+        <p:spPr/>
+        <p:txBody>
+          <a:bodyPr/>
+          <a:lstStyle/>
+          <a:p>
+            <a:r>
+              <a:rPr lang="en-US" dirty="0"/>
+              <a:t>Limit of detection</a:t>
+            </a:r>
+          </a:p>
+        </p:txBody>
+      </p:sp>
+      <p:sp>
+        <p:nvSpPr>
+          <p:cNvPr id="3" name="Content Placeholder 2">
+            <a:extLst>
+              <a:ext uri="{FF2B5EF4-FFF2-40B4-BE49-F238E27FC236}">
+                <a16:creationId xmlns:a16="http://schemas.microsoft.com/office/drawing/2014/main" id="{7607F855-9ED2-4159-9E42-374F88A7C0C2}"/>
+              </a:ext>
+            </a:extLst>
+          </p:cNvPr>
+          <p:cNvSpPr>
+            <a:spLocks noGrp="1"/>
+          </p:cNvSpPr>
+          <p:nvPr>
+            <p:ph idx="1"/>
+          </p:nvPr>
+        </p:nvSpPr>
+        <p:spPr>
+          <a:xfrm>
+            <a:off x="838199" y="1825625"/>
+            <a:ext cx="4924425" cy="2165350"/>
+          </a:xfrm>
+        </p:spPr>
+        <p:txBody>
+          <a:bodyPr>
+            <a:normAutofit/>
+          </a:bodyPr>
+          <a:lstStyle/>
+          <a:p>
+            <a:r>
+              <a:rPr lang="en-US" sz="3200" dirty="0"/>
+              <a:t>Is a signal statistically different from a blank?</a:t>
+            </a:r>
+          </a:p>
+        </p:txBody>
+      </p:sp>
+      <p:pic>
+        <p:nvPicPr>
+          <p:cNvPr id="5" name="Picture 4">
+            <a:extLst>
+              <a:ext uri="{FF2B5EF4-FFF2-40B4-BE49-F238E27FC236}">
+                <a16:creationId xmlns:a16="http://schemas.microsoft.com/office/drawing/2014/main" id="{EB055F03-EA78-4C3C-8D64-DFC883B85E53}"/>
+              </a:ext>
+            </a:extLst>
+          </p:cNvPr>
+          <p:cNvPicPr>
+            <a:picLocks noChangeAspect="1"/>
+          </p:cNvPicPr>
+          <p:nvPr/>
+        </p:nvPicPr>
+        <p:blipFill>
+          <a:blip r:embed="rId2"/>
+          <a:stretch>
+            <a:fillRect/>
+          </a:stretch>
+        </p:blipFill>
+        <p:spPr>
+          <a:xfrm>
+            <a:off x="6195366" y="1057275"/>
+            <a:ext cx="5563548" cy="4605587"/>
+          </a:xfrm>
+          <a:prstGeom prst="rect">
+            <a:avLst/>
+          </a:prstGeom>
+        </p:spPr>
+      </p:pic>
+    </p:spTree>
+    <p:extLst>
+      <p:ext uri="{BB962C8B-B14F-4D97-AF65-F5344CB8AC3E}">
+        <p14:creationId xmlns:p14="http://schemas.microsoft.com/office/powerpoint/2010/main" val="800569750"/>
+      </p:ext>
+    </p:extLst>
+  </p:cSld>
+  <p:clrMapOvr>
+    <a:masterClrMapping/>
+  </p:clrMapOvr>
+</p:sld>
+</file>
+
+<file path=ppt/slides/slide18.xml><?xml version="1.0" encoding="utf-8"?>
+<p:sld xmlns:a="http://schemas.openxmlformats.org/drawingml/2006/main" xmlns:r="http://schemas.openxmlformats.org/officeDocument/2006/relationships" xmlns:p="http://schemas.openxmlformats.org/presentationml/2006/main">
+  <p:cSld>
+    <p:spTree>
+      <p:nvGrpSpPr>
+        <p:cNvPr id="1" name=""/>
+        <p:cNvGrpSpPr/>
+        <p:nvPr/>
+      </p:nvGrpSpPr>
+      <p:grpSpPr>
+        <a:xfrm>
+          <a:off x="0" y="0"/>
+          <a:ext cx="0" cy="0"/>
+          <a:chOff x="0" y="0"/>
+          <a:chExt cx="0" cy="0"/>
+        </a:xfrm>
+      </p:grpSpPr>
+      <p:sp>
+        <p:nvSpPr>
+          <p:cNvPr id="2" name="Title 1">
+            <a:extLst>
+              <a:ext uri="{FF2B5EF4-FFF2-40B4-BE49-F238E27FC236}">
+                <a16:creationId xmlns:a16="http://schemas.microsoft.com/office/drawing/2014/main" id="{DE1B09B6-92F8-4FDC-ACB2-845AD3FE227C}"/>
+              </a:ext>
+            </a:extLst>
+          </p:cNvPr>
+          <p:cNvSpPr>
+            <a:spLocks noGrp="1"/>
+          </p:cNvSpPr>
+          <p:nvPr>
+            <p:ph type="title"/>
+          </p:nvPr>
+        </p:nvSpPr>
+        <p:spPr/>
+        <p:txBody>
+          <a:bodyPr/>
+          <a:lstStyle/>
+          <a:p>
+            <a:r>
+              <a:rPr lang="en-US" dirty="0"/>
+              <a:t>Limit of Quantitation</a:t>
+            </a:r>
+          </a:p>
+        </p:txBody>
+      </p:sp>
+      <p:sp>
+        <p:nvSpPr>
+          <p:cNvPr id="3" name="Content Placeholder 2">
+            <a:extLst>
+              <a:ext uri="{FF2B5EF4-FFF2-40B4-BE49-F238E27FC236}">
+                <a16:creationId xmlns:a16="http://schemas.microsoft.com/office/drawing/2014/main" id="{5F6446BE-6C49-45C0-906F-154D9E780EEE}"/>
+              </a:ext>
+            </a:extLst>
+          </p:cNvPr>
+          <p:cNvSpPr>
+            <a:spLocks noGrp="1"/>
+          </p:cNvSpPr>
+          <p:nvPr>
+            <p:ph idx="1"/>
+          </p:nvPr>
+        </p:nvSpPr>
+        <p:spPr>
+          <a:xfrm>
+            <a:off x="838200" y="1825625"/>
+            <a:ext cx="3517232" cy="4351338"/>
+          </a:xfrm>
+        </p:spPr>
+        <p:txBody>
+          <a:bodyPr/>
+          <a:lstStyle/>
+          <a:p>
+            <a:r>
+              <a:rPr lang="en-US" dirty="0"/>
+              <a:t>Does the change in quantity reflect the change in signal?</a:t>
+            </a:r>
+          </a:p>
+        </p:txBody>
+      </p:sp>
+    </p:spTree>
+    <p:extLst>
+      <p:ext uri="{BB962C8B-B14F-4D97-AF65-F5344CB8AC3E}">
+        <p14:creationId xmlns:p14="http://schemas.microsoft.com/office/powerpoint/2010/main" val="4089178197"/>
       </p:ext>
     </p:extLst>
   </p:cSld>
@@ -5780,91 +6079,40 @@
           <a:chExt cx="0" cy="0"/>
         </a:xfrm>
       </p:grpSpPr>
-      <p:sp>
-        <p:nvSpPr>
-          <p:cNvPr id="2" name="Title 1">
-            <a:extLst>
-              <a:ext uri="{FF2B5EF4-FFF2-40B4-BE49-F238E27FC236}">
-                <a16:creationId xmlns:a16="http://schemas.microsoft.com/office/drawing/2014/main" id="{2C163552-400B-42B1-9AF9-98A5F28F8A3F}"/>
-              </a:ext>
-            </a:extLst>
-          </p:cNvPr>
-          <p:cNvSpPr>
-            <a:spLocks noGrp="1"/>
-          </p:cNvSpPr>
-          <p:nvPr>
-            <p:ph type="title"/>
-          </p:nvPr>
-        </p:nvSpPr>
-        <p:spPr/>
-        <p:txBody>
-          <a:bodyPr/>
-          <a:lstStyle/>
-          <a:p>
-            <a:r>
-              <a:rPr lang="en-US" dirty="0"/>
-              <a:t>Fluorescence Advantage</a:t>
-            </a:r>
-          </a:p>
-        </p:txBody>
-      </p:sp>
-      <p:sp>
-        <p:nvSpPr>
-          <p:cNvPr id="3" name="Content Placeholder 2">
-            <a:extLst>
-              <a:ext uri="{FF2B5EF4-FFF2-40B4-BE49-F238E27FC236}">
-                <a16:creationId xmlns:a16="http://schemas.microsoft.com/office/drawing/2014/main" id="{6AAFDD41-60B2-4C7B-9CE0-4C8E48FBED5D}"/>
-              </a:ext>
-            </a:extLst>
-          </p:cNvPr>
-          <p:cNvSpPr>
-            <a:spLocks noGrp="1"/>
-          </p:cNvSpPr>
-          <p:nvPr>
-            <p:ph idx="1"/>
-          </p:nvPr>
-        </p:nvSpPr>
+      <p:pic>
+        <p:nvPicPr>
+          <p:cNvPr id="3" name="Picture 2">
+            <a:extLst>
+              <a:ext uri="{FF2B5EF4-FFF2-40B4-BE49-F238E27FC236}">
+                <a16:creationId xmlns:a16="http://schemas.microsoft.com/office/drawing/2014/main" id="{E527A990-8D4A-4B0B-97C5-C52C994C88B3}"/>
+              </a:ext>
+            </a:extLst>
+          </p:cNvPr>
+          <p:cNvPicPr>
+            <a:picLocks noChangeAspect="1"/>
+          </p:cNvPicPr>
+          <p:nvPr/>
+        </p:nvPicPr>
+        <p:blipFill>
+          <a:blip r:embed="rId2"/>
+          <a:stretch>
+            <a:fillRect/>
+          </a:stretch>
+        </p:blipFill>
         <p:spPr>
           <a:xfrm>
-            <a:off x="774032" y="2326105"/>
-            <a:ext cx="10515600" cy="3225216"/>
+            <a:off x="486070" y="0"/>
+            <a:ext cx="11219859" cy="6858000"/>
           </a:xfrm>
+          <a:prstGeom prst="rect">
+            <a:avLst/>
+          </a:prstGeom>
         </p:spPr>
-        <p:txBody>
-          <a:bodyPr>
-            <a:normAutofit fontScale="92500" lnSpcReduction="10000"/>
-          </a:bodyPr>
-          <a:lstStyle/>
-          <a:p>
-            <a:r>
-              <a:rPr lang="en-US" sz="3600" dirty="0"/>
-              <a:t>Fluorescence is measured over a dark background, while absorbance is measured over a bright background. </a:t>
-            </a:r>
-          </a:p>
-          <a:p>
-            <a:endParaRPr lang="en-US" sz="3600" dirty="0"/>
-          </a:p>
-          <a:p>
-            <a:r>
-              <a:rPr lang="en-US" sz="3600" dirty="0"/>
-              <a:t>Measuring signal over a large background is hard.</a:t>
-            </a:r>
-          </a:p>
-          <a:p>
-            <a:endParaRPr lang="en-US" sz="3600" dirty="0"/>
-          </a:p>
-          <a:p>
-            <a:r>
-              <a:rPr lang="en-US" sz="3600" dirty="0"/>
-              <a:t>Chemical noise/background is a major limitation.</a:t>
-            </a:r>
-          </a:p>
-        </p:txBody>
-      </p:sp>
+      </p:pic>
     </p:spTree>
     <p:extLst>
       <p:ext uri="{BB962C8B-B14F-4D97-AF65-F5344CB8AC3E}">
-        <p14:creationId xmlns:p14="http://schemas.microsoft.com/office/powerpoint/2010/main" val="382929661"/>
+        <p14:creationId xmlns:p14="http://schemas.microsoft.com/office/powerpoint/2010/main" val="285504554"/>
       </p:ext>
     </p:extLst>
   </p:cSld>
@@ -5951,40 +6199,91 @@
           <a:chExt cx="0" cy="0"/>
         </a:xfrm>
       </p:grpSpPr>
-      <p:pic>
-        <p:nvPicPr>
-          <p:cNvPr id="3" name="Picture 2">
-            <a:extLst>
-              <a:ext uri="{FF2B5EF4-FFF2-40B4-BE49-F238E27FC236}">
-                <a16:creationId xmlns:a16="http://schemas.microsoft.com/office/drawing/2014/main" id="{E527A990-8D4A-4B0B-97C5-C52C994C88B3}"/>
-              </a:ext>
-            </a:extLst>
-          </p:cNvPr>
-          <p:cNvPicPr>
-            <a:picLocks noChangeAspect="1"/>
-          </p:cNvPicPr>
-          <p:nvPr/>
-        </p:nvPicPr>
-        <p:blipFill>
-          <a:blip r:embed="rId2"/>
-          <a:stretch>
-            <a:fillRect/>
-          </a:stretch>
-        </p:blipFill>
+      <p:sp>
+        <p:nvSpPr>
+          <p:cNvPr id="2" name="Title 1">
+            <a:extLst>
+              <a:ext uri="{FF2B5EF4-FFF2-40B4-BE49-F238E27FC236}">
+                <a16:creationId xmlns:a16="http://schemas.microsoft.com/office/drawing/2014/main" id="{2C163552-400B-42B1-9AF9-98A5F28F8A3F}"/>
+              </a:ext>
+            </a:extLst>
+          </p:cNvPr>
+          <p:cNvSpPr>
+            <a:spLocks noGrp="1"/>
+          </p:cNvSpPr>
+          <p:nvPr>
+            <p:ph type="title"/>
+          </p:nvPr>
+        </p:nvSpPr>
+        <p:spPr/>
+        <p:txBody>
+          <a:bodyPr/>
+          <a:lstStyle/>
+          <a:p>
+            <a:r>
+              <a:rPr lang="en-US" dirty="0"/>
+              <a:t>Fluorescence Advantage</a:t>
+            </a:r>
+          </a:p>
+        </p:txBody>
+      </p:sp>
+      <p:sp>
+        <p:nvSpPr>
+          <p:cNvPr id="3" name="Content Placeholder 2">
+            <a:extLst>
+              <a:ext uri="{FF2B5EF4-FFF2-40B4-BE49-F238E27FC236}">
+                <a16:creationId xmlns:a16="http://schemas.microsoft.com/office/drawing/2014/main" id="{6AAFDD41-60B2-4C7B-9CE0-4C8E48FBED5D}"/>
+              </a:ext>
+            </a:extLst>
+          </p:cNvPr>
+          <p:cNvSpPr>
+            <a:spLocks noGrp="1"/>
+          </p:cNvSpPr>
+          <p:nvPr>
+            <p:ph idx="1"/>
+          </p:nvPr>
+        </p:nvSpPr>
         <p:spPr>
           <a:xfrm>
-            <a:off x="486070" y="0"/>
-            <a:ext cx="11219859" cy="6858000"/>
+            <a:off x="774032" y="2326105"/>
+            <a:ext cx="10515600" cy="3225216"/>
           </a:xfrm>
-          <a:prstGeom prst="rect">
-            <a:avLst/>
-          </a:prstGeom>
         </p:spPr>
-      </p:pic>
+        <p:txBody>
+          <a:bodyPr>
+            <a:normAutofit fontScale="92500" lnSpcReduction="10000"/>
+          </a:bodyPr>
+          <a:lstStyle/>
+          <a:p>
+            <a:r>
+              <a:rPr lang="en-US" sz="3600" dirty="0"/>
+              <a:t>Fluorescence is measured over a dark background, while absorbance is measured over a bright background. </a:t>
+            </a:r>
+          </a:p>
+          <a:p>
+            <a:endParaRPr lang="en-US" sz="3600" dirty="0"/>
+          </a:p>
+          <a:p>
+            <a:r>
+              <a:rPr lang="en-US" sz="3600" dirty="0"/>
+              <a:t>Measuring signal over a large background is hard.</a:t>
+            </a:r>
+          </a:p>
+          <a:p>
+            <a:endParaRPr lang="en-US" sz="3600" dirty="0"/>
+          </a:p>
+          <a:p>
+            <a:r>
+              <a:rPr lang="en-US" sz="3600" dirty="0"/>
+              <a:t>Chemical noise/background is a major limitation.</a:t>
+            </a:r>
+          </a:p>
+        </p:txBody>
+      </p:sp>
     </p:spTree>
     <p:extLst>
       <p:ext uri="{BB962C8B-B14F-4D97-AF65-F5344CB8AC3E}">
-        <p14:creationId xmlns:p14="http://schemas.microsoft.com/office/powerpoint/2010/main" val="285504554"/>
+        <p14:creationId xmlns:p14="http://schemas.microsoft.com/office/powerpoint/2010/main" val="382929661"/>
       </p:ext>
     </p:extLst>
   </p:cSld>
@@ -6013,64 +6312,6 @@
       </p:grpSpPr>
       <p:sp>
         <p:nvSpPr>
-          <p:cNvPr id="4" name="Title 3">
-            <a:extLst>
-              <a:ext uri="{FF2B5EF4-FFF2-40B4-BE49-F238E27FC236}">
-                <a16:creationId xmlns:a16="http://schemas.microsoft.com/office/drawing/2014/main" id="{6C8173CF-5C9D-4286-9790-0F2AF6969AF4}"/>
-              </a:ext>
-            </a:extLst>
-          </p:cNvPr>
-          <p:cNvSpPr>
-            <a:spLocks noGrp="1"/>
-          </p:cNvSpPr>
-          <p:nvPr>
-            <p:ph type="title"/>
-          </p:nvPr>
-        </p:nvSpPr>
-        <p:spPr/>
-        <p:txBody>
-          <a:bodyPr/>
-          <a:lstStyle/>
-          <a:p>
-            <a:r>
-              <a:rPr lang="en-US" dirty="0"/>
-              <a:t>What is the purpose of calibration?</a:t>
-            </a:r>
-          </a:p>
-        </p:txBody>
-      </p:sp>
-    </p:spTree>
-    <p:extLst>
-      <p:ext uri="{BB962C8B-B14F-4D97-AF65-F5344CB8AC3E}">
-        <p14:creationId xmlns:p14="http://schemas.microsoft.com/office/powerpoint/2010/main" val="3182592164"/>
-      </p:ext>
-    </p:extLst>
-  </p:cSld>
-  <p:clrMapOvr>
-    <a:masterClrMapping/>
-  </p:clrMapOvr>
-</p:sld>
-</file>
-
-<file path=ppt/slides/slide6.xml><?xml version="1.0" encoding="utf-8"?>
-<p:sld xmlns:a="http://schemas.openxmlformats.org/drawingml/2006/main" xmlns:r="http://schemas.openxmlformats.org/officeDocument/2006/relationships" xmlns:p="http://schemas.openxmlformats.org/presentationml/2006/main">
-  <p:cSld>
-    <p:spTree>
-      <p:nvGrpSpPr>
-        <p:cNvPr id="1" name=""/>
-        <p:cNvGrpSpPr/>
-        <p:nvPr/>
-      </p:nvGrpSpPr>
-      <p:grpSpPr>
-        <a:xfrm>
-          <a:off x="0" y="0"/>
-          <a:ext cx="0" cy="0"/>
-          <a:chOff x="0" y="0"/>
-          <a:chExt cx="0" cy="0"/>
-        </a:xfrm>
-      </p:grpSpPr>
-      <p:sp>
-        <p:nvSpPr>
           <p:cNvPr id="21506" name="Title 6"/>
           <p:cNvSpPr>
             <a:spLocks noGrp="1"/>
@@ -6139,7 +6380,7 @@
                 </a:spcAft>
                 <a:defRPr/>
               </a:pPr>
-              <a:t>6</a:t>
+              <a:t>5</a:t>
             </a:fld>
             <a:endParaRPr lang="en-US" sz="1400">
               <a:solidFill>
@@ -6206,7 +6447,7 @@
 </p:sld>
 </file>
 
-<file path=ppt/slides/slide7.xml><?xml version="1.0" encoding="utf-8"?>
+<file path=ppt/slides/slide6.xml><?xml version="1.0" encoding="utf-8"?>
 <p:sld xmlns:a="http://schemas.openxmlformats.org/drawingml/2006/main" xmlns:r="http://schemas.openxmlformats.org/officeDocument/2006/relationships" xmlns:p="http://schemas.openxmlformats.org/presentationml/2006/main">
   <p:cSld>
     <p:spTree>
@@ -6688,7 +6929,7 @@
 </p:sld>
 </file>
 
-<file path=ppt/slides/slide8.xml><?xml version="1.0" encoding="utf-8"?>
+<file path=ppt/slides/slide7.xml><?xml version="1.0" encoding="utf-8"?>
 <p:sld xmlns:a="http://schemas.openxmlformats.org/drawingml/2006/main" xmlns:r="http://schemas.openxmlformats.org/officeDocument/2006/relationships" xmlns:p="http://schemas.openxmlformats.org/presentationml/2006/main">
   <p:cSld>
     <p:spTree>
@@ -7602,7 +7843,7 @@
 </p:sld>
 </file>
 
-<file path=ppt/slides/slide9.xml><?xml version="1.0" encoding="utf-8"?>
+<file path=ppt/slides/slide8.xml><?xml version="1.0" encoding="utf-8"?>
 <p:sld xmlns:a="http://schemas.openxmlformats.org/drawingml/2006/main" xmlns:r="http://schemas.openxmlformats.org/officeDocument/2006/relationships" xmlns:p="http://schemas.openxmlformats.org/presentationml/2006/main">
   <p:cSld>
     <p:spTree>
@@ -7696,7 +7937,7 @@
                 </a:spcAft>
                 <a:defRPr/>
               </a:pPr>
-              <a:t>9</a:t>
+              <a:t>8</a:t>
             </a:fld>
             <a:endParaRPr lang="en-US" sz="1400">
               <a:solidFill>
@@ -8464,6 +8705,114 @@
     <p:extLst>
       <p:ext uri="{BB962C8B-B14F-4D97-AF65-F5344CB8AC3E}">
         <p14:creationId xmlns:p14="http://schemas.microsoft.com/office/powerpoint/2010/main" val="922683840"/>
+      </p:ext>
+    </p:extLst>
+  </p:cSld>
+  <p:clrMapOvr>
+    <a:masterClrMapping/>
+  </p:clrMapOvr>
+</p:sld>
+</file>
+
+<file path=ppt/slides/slide9.xml><?xml version="1.0" encoding="utf-8"?>
+<p:sld xmlns:a="http://schemas.openxmlformats.org/drawingml/2006/main" xmlns:r="http://schemas.openxmlformats.org/officeDocument/2006/relationships" xmlns:p="http://schemas.openxmlformats.org/presentationml/2006/main">
+  <p:cSld>
+    <p:spTree>
+      <p:nvGrpSpPr>
+        <p:cNvPr id="1" name=""/>
+        <p:cNvGrpSpPr/>
+        <p:nvPr/>
+      </p:nvGrpSpPr>
+      <p:grpSpPr>
+        <a:xfrm>
+          <a:off x="0" y="0"/>
+          <a:ext cx="0" cy="0"/>
+          <a:chOff x="0" y="0"/>
+          <a:chExt cx="0" cy="0"/>
+        </a:xfrm>
+      </p:grpSpPr>
+      <p:sp>
+        <p:nvSpPr>
+          <p:cNvPr id="21506" name="Title 6"/>
+          <p:cNvSpPr>
+            <a:spLocks noGrp="1"/>
+          </p:cNvSpPr>
+          <p:nvPr>
+            <p:ph type="title"/>
+          </p:nvPr>
+        </p:nvSpPr>
+        <p:spPr/>
+        <p:txBody>
+          <a:bodyPr/>
+          <a:lstStyle/>
+          <a:p>
+            <a:r>
+              <a:rPr lang="en-US"/>
+              <a:t>Quantitative Analysis 101</a:t>
+            </a:r>
+          </a:p>
+        </p:txBody>
+      </p:sp>
+      <p:sp>
+        <p:nvSpPr>
+          <p:cNvPr id="3" name="TextBox 2">
+            <a:extLst>
+              <a:ext uri="{FF2B5EF4-FFF2-40B4-BE49-F238E27FC236}">
+                <a16:creationId xmlns:a16="http://schemas.microsoft.com/office/drawing/2014/main" id="{8EBC2D1B-98BF-4DD0-83CD-7121C464DE77}"/>
+              </a:ext>
+            </a:extLst>
+          </p:cNvPr>
+          <p:cNvSpPr txBox="1"/>
+          <p:nvPr/>
+        </p:nvSpPr>
+        <p:spPr>
+          <a:xfrm>
+            <a:off x="1447420" y="1993232"/>
+            <a:ext cx="8653266" cy="1938992"/>
+          </a:xfrm>
+          <a:prstGeom prst="rect">
+            <a:avLst/>
+          </a:prstGeom>
+          <a:noFill/>
+        </p:spPr>
+        <p:txBody>
+          <a:bodyPr wrap="none" rtlCol="0">
+            <a:spAutoFit/>
+          </a:bodyPr>
+          <a:lstStyle/>
+          <a:p>
+            <a:pPr marL="457200" indent="-457200">
+              <a:buFont typeface="Arial" panose="020B0604020202020204" pitchFamily="34" charset="0"/>
+              <a:buChar char="•"/>
+            </a:pPr>
+            <a:r>
+              <a:rPr lang="en-US" sz="4000" dirty="0"/>
+              <a:t>What does it mean to be quantitative?</a:t>
+            </a:r>
+          </a:p>
+          <a:p>
+            <a:pPr marL="457200" indent="-457200">
+              <a:buFont typeface="Arial" panose="020B0604020202020204" pitchFamily="34" charset="0"/>
+              <a:buChar char="•"/>
+            </a:pPr>
+            <a:endParaRPr lang="en-US" sz="4000" dirty="0"/>
+          </a:p>
+          <a:p>
+            <a:pPr marL="457200" indent="-457200">
+              <a:buFont typeface="Arial" panose="020B0604020202020204" pitchFamily="34" charset="0"/>
+              <a:buChar char="•"/>
+            </a:pPr>
+            <a:r>
+              <a:rPr lang="en-US" sz="4000" dirty="0"/>
+              <a:t>What does signal calibration mean?</a:t>
+            </a:r>
+          </a:p>
+        </p:txBody>
+      </p:sp>
+    </p:spTree>
+    <p:extLst>
+      <p:ext uri="{BB962C8B-B14F-4D97-AF65-F5344CB8AC3E}">
+        <p14:creationId xmlns:p14="http://schemas.microsoft.com/office/powerpoint/2010/main" val="2254547811"/>
       </p:ext>
     </p:extLst>
   </p:cSld>

--- a/lectures/3.Quant101.Calibration.pptx
+++ b/lectures/3.Quant101.Calibration.pptx
@@ -1604,6 +1604,30 @@
             <pc:docMk/>
             <pc:sldMk cId="1277686066" sldId="449"/>
             <ac:spMk id="3" creationId="{D281A4D6-DE53-4B0D-8E20-165A7A1C4913}"/>
+          </ac:spMkLst>
+        </pc:spChg>
+      </pc:sldChg>
+    </pc:docChg>
+  </pc:docChgLst>
+  <pc:docChgLst>
+    <pc:chgData name="Michael MacCoss" userId="afbd1c96-5255-4d89-b6b4-1a00a15797b0" providerId="ADAL" clId="{FC3246A9-9D6C-47F0-B536-404EF2A476A9}"/>
+    <pc:docChg chg="modSld">
+      <pc:chgData name="Michael MacCoss" userId="afbd1c96-5255-4d89-b6b4-1a00a15797b0" providerId="ADAL" clId="{FC3246A9-9D6C-47F0-B536-404EF2A476A9}" dt="2022-04-04T17:15:04.154" v="10" actId="20577"/>
+      <pc:docMkLst>
+        <pc:docMk/>
+      </pc:docMkLst>
+      <pc:sldChg chg="modSp mod">
+        <pc:chgData name="Michael MacCoss" userId="afbd1c96-5255-4d89-b6b4-1a00a15797b0" providerId="ADAL" clId="{FC3246A9-9D6C-47F0-B536-404EF2A476A9}" dt="2022-04-04T17:15:04.154" v="10" actId="20577"/>
+        <pc:sldMkLst>
+          <pc:docMk/>
+          <pc:sldMk cId="1027309159" sldId="443"/>
+        </pc:sldMkLst>
+        <pc:spChg chg="mod">
+          <ac:chgData name="Michael MacCoss" userId="afbd1c96-5255-4d89-b6b4-1a00a15797b0" providerId="ADAL" clId="{FC3246A9-9D6C-47F0-B536-404EF2A476A9}" dt="2022-04-04T17:15:04.154" v="10" actId="20577"/>
+          <ac:spMkLst>
+            <pc:docMk/>
+            <pc:sldMk cId="1027309159" sldId="443"/>
+            <ac:spMk id="4" creationId="{2FF86895-50BC-4D2B-812A-415084784FAE}"/>
           </ac:spMkLst>
         </pc:spChg>
       </pc:sldChg>
@@ -5841,8 +5865,13 @@
           <a:p>
             <a:r>
               <a:rPr lang="en-US" dirty="0"/>
-              <a:t>From last class: Selectivity vs Specificity</a:t>
+              <a:t>From last class: Selectivity </a:t>
             </a:r>
+            <a:r>
+              <a:rPr lang="en-US"/>
+              <a:t>vs Sensitivity</a:t>
+            </a:r>
+            <a:endParaRPr lang="en-US" dirty="0"/>
           </a:p>
         </p:txBody>
       </p:sp>
@@ -15101,8 +15130,8 @@
           </a:p>
         </p:txBody>
       </p:sp>
-      <mc:AlternateContent xmlns:mc="http://schemas.openxmlformats.org/markup-compatibility/2006">
-        <mc:Choice xmlns:a14="http://schemas.microsoft.com/office/drawing/2010/main" Requires="a14">
+      <mc:AlternateContent xmlns:mc="http://schemas.openxmlformats.org/markup-compatibility/2006" xmlns:a14="http://schemas.microsoft.com/office/drawing/2010/main">
+        <mc:Choice Requires="a14">
           <p:sp>
             <p:nvSpPr>
               <p:cNvPr id="10" name="TextBox 9"/>
@@ -15183,7 +15212,7 @@
             </p:txBody>
           </p:sp>
         </mc:Choice>
-        <mc:Fallback>
+        <mc:Fallback xmlns="">
           <p:sp>
             <p:nvSpPr>
               <p:cNvPr id="10" name="TextBox 9"/>
